--- a/Presentasi Implementasi VoG.pptx
+++ b/Presentasi Implementasi VoG.pptx
@@ -10,16 +10,18 @@
     <p:sldId id="257" r:id="rId4"/>
     <p:sldId id="258" r:id="rId5"/>
     <p:sldId id="261" r:id="rId6"/>
-    <p:sldId id="262" r:id="rId7"/>
-    <p:sldId id="265" r:id="rId8"/>
-    <p:sldId id="263" r:id="rId9"/>
-    <p:sldId id="264" r:id="rId10"/>
-    <p:sldId id="266" r:id="rId11"/>
-    <p:sldId id="267" r:id="rId12"/>
-    <p:sldId id="268" r:id="rId13"/>
-    <p:sldId id="269" r:id="rId14"/>
-    <p:sldId id="270" r:id="rId15"/>
-    <p:sldId id="271" r:id="rId16"/>
+    <p:sldId id="273" r:id="rId7"/>
+    <p:sldId id="274" r:id="rId8"/>
+    <p:sldId id="262" r:id="rId9"/>
+    <p:sldId id="265" r:id="rId10"/>
+    <p:sldId id="263" r:id="rId11"/>
+    <p:sldId id="264" r:id="rId12"/>
+    <p:sldId id="266" r:id="rId13"/>
+    <p:sldId id="267" r:id="rId14"/>
+    <p:sldId id="268" r:id="rId15"/>
+    <p:sldId id="269" r:id="rId16"/>
+    <p:sldId id="270" r:id="rId17"/>
+    <p:sldId id="271" r:id="rId18"/>
   </p:sldIdLst>
   <p:sldSz cx="12192000" cy="6858000"/>
   <p:notesSz cx="6858000" cy="9144000"/>
@@ -461,11 +463,11 @@
         </c:dLbls>
         <c:marker val="1"/>
         <c:smooth val="0"/>
-        <c:axId val="229334104"/>
-        <c:axId val="235660280"/>
+        <c:axId val="316551696"/>
+        <c:axId val="316554048"/>
       </c:lineChart>
       <c:catAx>
-        <c:axId val="229334104"/>
+        <c:axId val="316551696"/>
         <c:scaling>
           <c:orientation val="minMax"/>
         </c:scaling>
@@ -596,7 +598,7 @@
             <a:endParaRPr lang="en-US"/>
           </a:p>
         </c:txPr>
-        <c:crossAx val="235660280"/>
+        <c:crossAx val="316554048"/>
         <c:crosses val="autoZero"/>
         <c:auto val="1"/>
         <c:lblAlgn val="ctr"/>
@@ -604,7 +606,7 @@
         <c:noMultiLvlLbl val="0"/>
       </c:catAx>
       <c:valAx>
-        <c:axId val="235660280"/>
+        <c:axId val="316554048"/>
         <c:scaling>
           <c:orientation val="minMax"/>
         </c:scaling>
@@ -703,7 +705,7 @@
             <a:endParaRPr lang="en-US"/>
           </a:p>
         </c:txPr>
-        <c:crossAx val="229334104"/>
+        <c:crossAx val="316551696"/>
         <c:crosses val="autoZero"/>
         <c:crossBetween val="between"/>
       </c:valAx>
@@ -1466,7 +1468,7 @@
           <a:p>
             <a:fld id="{E6767B56-1D46-475B-BB85-404B0BD4AE44}" type="datetimeFigureOut">
               <a:rPr lang="en-US" smtClean="0"/>
-              <a:t>1/6/2016</a:t>
+              <a:t>1/8/2016</a:t>
             </a:fld>
             <a:endParaRPr lang="en-US"/>
           </a:p>
@@ -1636,7 +1638,7 @@
           <a:p>
             <a:fld id="{E6767B56-1D46-475B-BB85-404B0BD4AE44}" type="datetimeFigureOut">
               <a:rPr lang="en-US" smtClean="0"/>
-              <a:t>1/6/2016</a:t>
+              <a:t>1/8/2016</a:t>
             </a:fld>
             <a:endParaRPr lang="en-US"/>
           </a:p>
@@ -1816,7 +1818,7 @@
           <a:p>
             <a:fld id="{E6767B56-1D46-475B-BB85-404B0BD4AE44}" type="datetimeFigureOut">
               <a:rPr lang="en-US" smtClean="0"/>
-              <a:t>1/6/2016</a:t>
+              <a:t>1/8/2016</a:t>
             </a:fld>
             <a:endParaRPr lang="en-US"/>
           </a:p>
@@ -1991,7 +1993,7 @@
           <a:p>
             <a:fld id="{E6767B56-1D46-475B-BB85-404B0BD4AE44}" type="datetimeFigureOut">
               <a:rPr lang="en-US" smtClean="0"/>
-              <a:t>1/6/2016</a:t>
+              <a:t>1/8/2016</a:t>
             </a:fld>
             <a:endParaRPr lang="en-US"/>
           </a:p>
@@ -2237,7 +2239,7 @@
           <a:p>
             <a:fld id="{E6767B56-1D46-475B-BB85-404B0BD4AE44}" type="datetimeFigureOut">
               <a:rPr lang="en-US" smtClean="0"/>
-              <a:t>1/6/2016</a:t>
+              <a:t>1/8/2016</a:t>
             </a:fld>
             <a:endParaRPr lang="en-US"/>
           </a:p>
@@ -2469,7 +2471,7 @@
           <a:p>
             <a:fld id="{E6767B56-1D46-475B-BB85-404B0BD4AE44}" type="datetimeFigureOut">
               <a:rPr lang="en-US" smtClean="0"/>
-              <a:t>1/6/2016</a:t>
+              <a:t>1/8/2016</a:t>
             </a:fld>
             <a:endParaRPr lang="en-US"/>
           </a:p>
@@ -2836,7 +2838,7 @@
           <a:p>
             <a:fld id="{E6767B56-1D46-475B-BB85-404B0BD4AE44}" type="datetimeFigureOut">
               <a:rPr lang="en-US" smtClean="0"/>
-              <a:t>1/6/2016</a:t>
+              <a:t>1/8/2016</a:t>
             </a:fld>
             <a:endParaRPr lang="en-US"/>
           </a:p>
@@ -2954,7 +2956,7 @@
           <a:p>
             <a:fld id="{E6767B56-1D46-475B-BB85-404B0BD4AE44}" type="datetimeFigureOut">
               <a:rPr lang="en-US" smtClean="0"/>
-              <a:t>1/6/2016</a:t>
+              <a:t>1/8/2016</a:t>
             </a:fld>
             <a:endParaRPr lang="en-US"/>
           </a:p>
@@ -3049,7 +3051,7 @@
           <a:p>
             <a:fld id="{E6767B56-1D46-475B-BB85-404B0BD4AE44}" type="datetimeFigureOut">
               <a:rPr lang="en-US" smtClean="0"/>
-              <a:t>1/6/2016</a:t>
+              <a:t>1/8/2016</a:t>
             </a:fld>
             <a:endParaRPr lang="en-US"/>
           </a:p>
@@ -3326,7 +3328,7 @@
           <a:p>
             <a:fld id="{E6767B56-1D46-475B-BB85-404B0BD4AE44}" type="datetimeFigureOut">
               <a:rPr lang="en-US" smtClean="0"/>
-              <a:t>1/6/2016</a:t>
+              <a:t>1/8/2016</a:t>
             </a:fld>
             <a:endParaRPr lang="en-US"/>
           </a:p>
@@ -3579,7 +3581,7 @@
           <a:p>
             <a:fld id="{E6767B56-1D46-475B-BB85-404B0BD4AE44}" type="datetimeFigureOut">
               <a:rPr lang="en-US" smtClean="0"/>
-              <a:t>1/6/2016</a:t>
+              <a:t>1/8/2016</a:t>
             </a:fld>
             <a:endParaRPr lang="en-US"/>
           </a:p>
@@ -3822,7 +3824,7 @@
           <a:p>
             <a:fld id="{E6767B56-1D46-475B-BB85-404B0BD4AE44}" type="datetimeFigureOut">
               <a:rPr lang="en-US" smtClean="0"/>
-              <a:t>1/6/2016</a:t>
+              <a:t>1/8/2016</a:t>
             </a:fld>
             <a:endParaRPr lang="en-US"/>
           </a:p>
@@ -4349,11 +4351,7 @@
             </a:r>
             <a:r>
               <a:rPr lang="en-US" b="1" dirty="0" smtClean="0"/>
-              <a:t> </a:t>
-            </a:r>
-            <a:r>
-              <a:rPr lang="en-US" b="1" dirty="0" smtClean="0"/>
-              <a:t>- 1103120029</a:t>
+              <a:t> - 1103120029</a:t>
             </a:r>
           </a:p>
           <a:p>
@@ -4491,13 +4489,13 @@
   <p:clrMapOvr>
     <a:masterClrMapping/>
   </p:clrMapOvr>
-  <mc:AlternateContent xmlns:mc="http://schemas.openxmlformats.org/markup-compatibility/2006">
-    <mc:Choice xmlns:p14="http://schemas.microsoft.com/office/powerpoint/2010/main" Requires="p14">
+  <mc:AlternateContent xmlns:mc="http://schemas.openxmlformats.org/markup-compatibility/2006" xmlns:p14="http://schemas.microsoft.com/office/powerpoint/2010/main">
+    <mc:Choice Requires="p14">
       <p:transition spd="med" p14:dur="700">
         <p:fade/>
       </p:transition>
     </mc:Choice>
-    <mc:Fallback>
+    <mc:Fallback xmlns="">
       <p:transition spd="med">
         <p:fade/>
       </p:transition>
@@ -4514,6 +4512,450 @@
 </file>
 
 <file path=ppt/slides/slide10.xml><?xml version="1.0" encoding="utf-8"?>
+<p:sld xmlns:a="http://schemas.openxmlformats.org/drawingml/2006/main" xmlns:r="http://schemas.openxmlformats.org/officeDocument/2006/relationships" xmlns:p="http://schemas.openxmlformats.org/presentationml/2006/main">
+  <p:cSld>
+    <p:spTree>
+      <p:nvGrpSpPr>
+        <p:cNvPr id="1" name=""/>
+        <p:cNvGrpSpPr/>
+        <p:nvPr/>
+      </p:nvGrpSpPr>
+      <p:grpSpPr>
+        <a:xfrm>
+          <a:off x="0" y="0"/>
+          <a:ext cx="0" cy="0"/>
+          <a:chOff x="0" y="0"/>
+          <a:chExt cx="0" cy="0"/>
+        </a:xfrm>
+      </p:grpSpPr>
+      <p:sp>
+        <p:nvSpPr>
+          <p:cNvPr id="2" name="Title 1"/>
+          <p:cNvSpPr>
+            <a:spLocks noGrp="1"/>
+          </p:cNvSpPr>
+          <p:nvPr>
+            <p:ph type="title"/>
+          </p:nvPr>
+        </p:nvSpPr>
+        <p:spPr/>
+        <p:txBody>
+          <a:bodyPr/>
+          <a:lstStyle/>
+          <a:p>
+            <a:r>
+              <a:rPr lang="en-US" dirty="0" err="1" smtClean="0"/>
+              <a:t>Pengujian</a:t>
+            </a:r>
+            <a:r>
+              <a:rPr lang="en-US" dirty="0" smtClean="0"/>
+              <a:t> </a:t>
+            </a:r>
+            <a:r>
+              <a:rPr lang="en-US" dirty="0" err="1" smtClean="0"/>
+              <a:t>dan</a:t>
+            </a:r>
+            <a:r>
+              <a:rPr lang="en-US" dirty="0" smtClean="0"/>
+              <a:t> </a:t>
+            </a:r>
+            <a:r>
+              <a:rPr lang="en-US" dirty="0" err="1" smtClean="0"/>
+              <a:t>Analisis</a:t>
+            </a:r>
+            <a:r>
+              <a:rPr lang="en-US" dirty="0" smtClean="0"/>
+              <a:t> </a:t>
+            </a:r>
+            <a:r>
+              <a:rPr lang="en-US" dirty="0" err="1" smtClean="0"/>
+              <a:t>Skenario</a:t>
+            </a:r>
+            <a:r>
+              <a:rPr lang="en-US" dirty="0" smtClean="0"/>
+              <a:t> 1</a:t>
+            </a:r>
+            <a:endParaRPr lang="en-US" dirty="0"/>
+          </a:p>
+        </p:txBody>
+      </p:sp>
+      <p:pic>
+        <p:nvPicPr>
+          <p:cNvPr id="6" name="Content Placeholder 5"/>
+          <p:cNvPicPr>
+            <a:picLocks noGrp="1"/>
+          </p:cNvPicPr>
+          <p:nvPr>
+            <p:ph idx="1"/>
+          </p:nvPr>
+        </p:nvPicPr>
+        <p:blipFill>
+          <a:blip r:embed="rId2">
+            <a:extLst>
+              <a:ext uri="{28A0092B-C50C-407E-A947-70E740481C1C}">
+                <a14:useLocalDpi xmlns:a14="http://schemas.microsoft.com/office/drawing/2010/main" val="0"/>
+              </a:ext>
+            </a:extLst>
+          </a:blip>
+          <a:stretch>
+            <a:fillRect/>
+          </a:stretch>
+        </p:blipFill>
+        <p:spPr>
+          <a:xfrm>
+            <a:off x="838204" y="1690692"/>
+            <a:ext cx="4751228" cy="2984339"/>
+          </a:xfrm>
+          <a:prstGeom prst="rect">
+            <a:avLst/>
+          </a:prstGeom>
+        </p:spPr>
+      </p:pic>
+      <p:pic>
+        <p:nvPicPr>
+          <p:cNvPr id="7" name="Picture 6"/>
+          <p:cNvPicPr/>
+          <p:nvPr/>
+        </p:nvPicPr>
+        <p:blipFill>
+          <a:blip r:embed="rId3">
+            <a:extLst>
+              <a:ext uri="{28A0092B-C50C-407E-A947-70E740481C1C}">
+                <a14:useLocalDpi xmlns:a14="http://schemas.microsoft.com/office/drawing/2010/main" val="0"/>
+              </a:ext>
+            </a:extLst>
+          </a:blip>
+          <a:stretch>
+            <a:fillRect/>
+          </a:stretch>
+        </p:blipFill>
+        <p:spPr>
+          <a:xfrm>
+            <a:off x="6941712" y="1690692"/>
+            <a:ext cx="4829577" cy="2984339"/>
+          </a:xfrm>
+          <a:prstGeom prst="rect">
+            <a:avLst/>
+          </a:prstGeom>
+        </p:spPr>
+      </p:pic>
+      <p:pic>
+        <p:nvPicPr>
+          <p:cNvPr id="8" name="Picture 7"/>
+          <p:cNvPicPr/>
+          <p:nvPr/>
+        </p:nvPicPr>
+        <p:blipFill>
+          <a:blip r:embed="rId4">
+            <a:extLst>
+              <a:ext uri="{28A0092B-C50C-407E-A947-70E740481C1C}">
+                <a14:useLocalDpi xmlns:a14="http://schemas.microsoft.com/office/drawing/2010/main" val="0"/>
+              </a:ext>
+            </a:extLst>
+          </a:blip>
+          <a:stretch>
+            <a:fillRect/>
+          </a:stretch>
+        </p:blipFill>
+        <p:spPr>
+          <a:xfrm>
+            <a:off x="3745609" y="4675031"/>
+            <a:ext cx="4700788" cy="1996225"/>
+          </a:xfrm>
+          <a:prstGeom prst="rect">
+            <a:avLst/>
+          </a:prstGeom>
+        </p:spPr>
+      </p:pic>
+      <p:sp>
+        <p:nvSpPr>
+          <p:cNvPr id="9" name="Right Arrow 8"/>
+          <p:cNvSpPr/>
+          <p:nvPr/>
+        </p:nvSpPr>
+        <p:spPr>
+          <a:xfrm>
+            <a:off x="5834130" y="3155324"/>
+            <a:ext cx="746974" cy="618186"/>
+          </a:xfrm>
+          <a:prstGeom prst="rightArrow">
+            <a:avLst/>
+          </a:prstGeom>
+        </p:spPr>
+        <p:style>
+          <a:lnRef idx="2">
+            <a:schemeClr val="accent1">
+              <a:shade val="50000"/>
+            </a:schemeClr>
+          </a:lnRef>
+          <a:fillRef idx="1">
+            <a:schemeClr val="accent1"/>
+          </a:fillRef>
+          <a:effectRef idx="0">
+            <a:schemeClr val="accent1"/>
+          </a:effectRef>
+          <a:fontRef idx="minor">
+            <a:schemeClr val="lt1"/>
+          </a:fontRef>
+        </p:style>
+        <p:txBody>
+          <a:bodyPr rtlCol="0" anchor="ctr"/>
+          <a:lstStyle/>
+          <a:p>
+            <a:pPr algn="ctr"/>
+            <a:endParaRPr lang="en-US"/>
+          </a:p>
+        </p:txBody>
+      </p:sp>
+    </p:spTree>
+    <p:extLst>
+      <p:ext uri="{BB962C8B-B14F-4D97-AF65-F5344CB8AC3E}">
+        <p14:creationId xmlns:p14="http://schemas.microsoft.com/office/powerpoint/2010/main" val="1057793220"/>
+      </p:ext>
+    </p:extLst>
+  </p:cSld>
+  <p:clrMapOvr>
+    <a:masterClrMapping/>
+  </p:clrMapOvr>
+  <mc:AlternateContent xmlns:mc="http://schemas.openxmlformats.org/markup-compatibility/2006" xmlns:p14="http://schemas.microsoft.com/office/powerpoint/2010/main">
+    <mc:Choice Requires="p14">
+      <p:transition spd="med" p14:dur="700">
+        <p:fade/>
+      </p:transition>
+    </mc:Choice>
+    <mc:Fallback xmlns="">
+      <p:transition spd="med">
+        <p:fade/>
+      </p:transition>
+    </mc:Fallback>
+  </mc:AlternateContent>
+  <p:timing>
+    <p:tnLst>
+      <p:par>
+        <p:cTn id="1" dur="indefinite" restart="never" nodeType="tmRoot"/>
+      </p:par>
+    </p:tnLst>
+  </p:timing>
+</p:sld>
+</file>
+
+<file path=ppt/slides/slide11.xml><?xml version="1.0" encoding="utf-8"?>
+<p:sld xmlns:a="http://schemas.openxmlformats.org/drawingml/2006/main" xmlns:r="http://schemas.openxmlformats.org/officeDocument/2006/relationships" xmlns:p="http://schemas.openxmlformats.org/presentationml/2006/main">
+  <p:cSld>
+    <p:spTree>
+      <p:nvGrpSpPr>
+        <p:cNvPr id="1" name=""/>
+        <p:cNvGrpSpPr/>
+        <p:nvPr/>
+      </p:nvGrpSpPr>
+      <p:grpSpPr>
+        <a:xfrm>
+          <a:off x="0" y="0"/>
+          <a:ext cx="0" cy="0"/>
+          <a:chOff x="0" y="0"/>
+          <a:chExt cx="0" cy="0"/>
+        </a:xfrm>
+      </p:grpSpPr>
+      <p:sp>
+        <p:nvSpPr>
+          <p:cNvPr id="2" name="Title 1"/>
+          <p:cNvSpPr>
+            <a:spLocks noGrp="1"/>
+          </p:cNvSpPr>
+          <p:nvPr>
+            <p:ph type="title"/>
+          </p:nvPr>
+        </p:nvSpPr>
+        <p:spPr/>
+        <p:txBody>
+          <a:bodyPr/>
+          <a:lstStyle/>
+          <a:p>
+            <a:r>
+              <a:rPr lang="en-US" dirty="0" err="1" smtClean="0"/>
+              <a:t>Pengujian</a:t>
+            </a:r>
+            <a:r>
+              <a:rPr lang="en-US" dirty="0" smtClean="0"/>
+              <a:t> </a:t>
+            </a:r>
+            <a:r>
+              <a:rPr lang="en-US" dirty="0" err="1" smtClean="0"/>
+              <a:t>dan</a:t>
+            </a:r>
+            <a:r>
+              <a:rPr lang="en-US" dirty="0" smtClean="0"/>
+              <a:t> </a:t>
+            </a:r>
+            <a:r>
+              <a:rPr lang="en-US" dirty="0" err="1" smtClean="0"/>
+              <a:t>Analisis</a:t>
+            </a:r>
+            <a:endParaRPr lang="en-US" dirty="0"/>
+          </a:p>
+        </p:txBody>
+      </p:sp>
+      <p:pic>
+        <p:nvPicPr>
+          <p:cNvPr id="4" name="Content Placeholder 3"/>
+          <p:cNvPicPr>
+            <a:picLocks noGrp="1"/>
+          </p:cNvPicPr>
+          <p:nvPr>
+            <p:ph idx="1"/>
+          </p:nvPr>
+        </p:nvPicPr>
+        <p:blipFill>
+          <a:blip r:embed="rId2">
+            <a:extLst>
+              <a:ext uri="{28A0092B-C50C-407E-A947-70E740481C1C}">
+                <a14:useLocalDpi xmlns:a14="http://schemas.microsoft.com/office/drawing/2010/main" val="0"/>
+              </a:ext>
+            </a:extLst>
+          </a:blip>
+          <a:stretch>
+            <a:fillRect/>
+          </a:stretch>
+        </p:blipFill>
+        <p:spPr>
+          <a:xfrm>
+            <a:off x="838203" y="1690692"/>
+            <a:ext cx="4403498" cy="2726762"/>
+          </a:xfrm>
+          <a:prstGeom prst="rect">
+            <a:avLst/>
+          </a:prstGeom>
+        </p:spPr>
+      </p:pic>
+      <p:pic>
+        <p:nvPicPr>
+          <p:cNvPr id="5" name="Picture 4"/>
+          <p:cNvPicPr/>
+          <p:nvPr/>
+        </p:nvPicPr>
+        <p:blipFill>
+          <a:blip r:embed="rId3">
+            <a:extLst>
+              <a:ext uri="{28A0092B-C50C-407E-A947-70E740481C1C}">
+                <a14:useLocalDpi xmlns:a14="http://schemas.microsoft.com/office/drawing/2010/main" val="0"/>
+              </a:ext>
+            </a:extLst>
+          </a:blip>
+          <a:stretch>
+            <a:fillRect/>
+          </a:stretch>
+        </p:blipFill>
+        <p:spPr>
+          <a:xfrm>
+            <a:off x="7449020" y="1677812"/>
+            <a:ext cx="3768477" cy="2984340"/>
+          </a:xfrm>
+          <a:prstGeom prst="rect">
+            <a:avLst/>
+          </a:prstGeom>
+        </p:spPr>
+      </p:pic>
+      <p:pic>
+        <p:nvPicPr>
+          <p:cNvPr id="6" name="Picture 5"/>
+          <p:cNvPicPr/>
+          <p:nvPr/>
+        </p:nvPicPr>
+        <p:blipFill>
+          <a:blip r:embed="rId4">
+            <a:extLst>
+              <a:ext uri="{28A0092B-C50C-407E-A947-70E740481C1C}">
+                <a14:useLocalDpi xmlns:a14="http://schemas.microsoft.com/office/drawing/2010/main" val="0"/>
+              </a:ext>
+            </a:extLst>
+          </a:blip>
+          <a:stretch>
+            <a:fillRect/>
+          </a:stretch>
+        </p:blipFill>
+        <p:spPr>
+          <a:xfrm>
+            <a:off x="3642846" y="4675031"/>
+            <a:ext cx="4906313" cy="1918952"/>
+          </a:xfrm>
+          <a:prstGeom prst="rect">
+            <a:avLst/>
+          </a:prstGeom>
+        </p:spPr>
+      </p:pic>
+      <p:sp>
+        <p:nvSpPr>
+          <p:cNvPr id="7" name="Right Arrow 6"/>
+          <p:cNvSpPr/>
+          <p:nvPr/>
+        </p:nvSpPr>
+        <p:spPr>
+          <a:xfrm>
+            <a:off x="5984752" y="2886647"/>
+            <a:ext cx="721217" cy="631065"/>
+          </a:xfrm>
+          <a:prstGeom prst="rightArrow">
+            <a:avLst/>
+          </a:prstGeom>
+        </p:spPr>
+        <p:style>
+          <a:lnRef idx="2">
+            <a:schemeClr val="accent1">
+              <a:shade val="50000"/>
+            </a:schemeClr>
+          </a:lnRef>
+          <a:fillRef idx="1">
+            <a:schemeClr val="accent1"/>
+          </a:fillRef>
+          <a:effectRef idx="0">
+            <a:schemeClr val="accent1"/>
+          </a:effectRef>
+          <a:fontRef idx="minor">
+            <a:schemeClr val="lt1"/>
+          </a:fontRef>
+        </p:style>
+        <p:txBody>
+          <a:bodyPr rtlCol="0" anchor="ctr"/>
+          <a:lstStyle/>
+          <a:p>
+            <a:pPr algn="ctr"/>
+            <a:endParaRPr lang="en-US"/>
+          </a:p>
+        </p:txBody>
+      </p:sp>
+    </p:spTree>
+    <p:extLst>
+      <p:ext uri="{BB962C8B-B14F-4D97-AF65-F5344CB8AC3E}">
+        <p14:creationId xmlns:p14="http://schemas.microsoft.com/office/powerpoint/2010/main" val="650289574"/>
+      </p:ext>
+    </p:extLst>
+  </p:cSld>
+  <p:clrMapOvr>
+    <a:masterClrMapping/>
+  </p:clrMapOvr>
+  <mc:AlternateContent xmlns:mc="http://schemas.openxmlformats.org/markup-compatibility/2006" xmlns:p14="http://schemas.microsoft.com/office/powerpoint/2010/main">
+    <mc:Choice Requires="p14">
+      <p:transition spd="med" p14:dur="700">
+        <p:fade/>
+      </p:transition>
+    </mc:Choice>
+    <mc:Fallback xmlns="">
+      <p:transition spd="med">
+        <p:fade/>
+      </p:transition>
+    </mc:Fallback>
+  </mc:AlternateContent>
+  <p:timing>
+    <p:tnLst>
+      <p:par>
+        <p:cTn id="1" dur="indefinite" restart="never" nodeType="tmRoot"/>
+      </p:par>
+    </p:tnLst>
+  </p:timing>
+</p:sld>
+</file>
+
+<file path=ppt/slides/slide12.xml><?xml version="1.0" encoding="utf-8"?>
 <p:sld xmlns:a="http://schemas.openxmlformats.org/drawingml/2006/main" xmlns:r="http://schemas.openxmlformats.org/officeDocument/2006/relationships" xmlns:p="http://schemas.openxmlformats.org/presentationml/2006/main">
   <p:cSld>
     <p:spTree>
@@ -4691,13 +5133,13 @@
   <p:clrMapOvr>
     <a:masterClrMapping/>
   </p:clrMapOvr>
-  <mc:AlternateContent xmlns:mc="http://schemas.openxmlformats.org/markup-compatibility/2006">
-    <mc:Choice xmlns:p14="http://schemas.microsoft.com/office/powerpoint/2010/main" Requires="p14">
+  <mc:AlternateContent xmlns:mc="http://schemas.openxmlformats.org/markup-compatibility/2006" xmlns:p14="http://schemas.microsoft.com/office/powerpoint/2010/main">
+    <mc:Choice Requires="p14">
       <p:transition spd="med" p14:dur="700">
         <p:fade/>
       </p:transition>
     </mc:Choice>
-    <mc:Fallback>
+    <mc:Fallback xmlns="">
       <p:transition spd="med">
         <p:fade/>
       </p:transition>
@@ -4713,7 +5155,7 @@
 </p:sld>
 </file>
 
-<file path=ppt/slides/slide11.xml><?xml version="1.0" encoding="utf-8"?>
+<file path=ppt/slides/slide13.xml><?xml version="1.0" encoding="utf-8"?>
 <p:sld xmlns:a="http://schemas.openxmlformats.org/drawingml/2006/main" xmlns:r="http://schemas.openxmlformats.org/officeDocument/2006/relationships" xmlns:p="http://schemas.openxmlformats.org/presentationml/2006/main">
   <p:cSld>
     <p:spTree>
@@ -7642,13 +8084,13 @@
   <p:clrMapOvr>
     <a:masterClrMapping/>
   </p:clrMapOvr>
-  <mc:AlternateContent xmlns:mc="http://schemas.openxmlformats.org/markup-compatibility/2006">
-    <mc:Choice xmlns:p14="http://schemas.microsoft.com/office/powerpoint/2010/main" Requires="p14">
+  <mc:AlternateContent xmlns:mc="http://schemas.openxmlformats.org/markup-compatibility/2006" xmlns:p14="http://schemas.microsoft.com/office/powerpoint/2010/main">
+    <mc:Choice Requires="p14">
       <p:transition spd="med" p14:dur="700">
         <p:fade/>
       </p:transition>
     </mc:Choice>
-    <mc:Fallback>
+    <mc:Fallback xmlns="">
       <p:transition spd="med">
         <p:fade/>
       </p:transition>
@@ -7664,7 +8106,7 @@
 </p:sld>
 </file>
 
-<file path=ppt/slides/slide12.xml><?xml version="1.0" encoding="utf-8"?>
+<file path=ppt/slides/slide14.xml><?xml version="1.0" encoding="utf-8"?>
 <p:sld xmlns:a="http://schemas.openxmlformats.org/drawingml/2006/main" xmlns:r="http://schemas.openxmlformats.org/officeDocument/2006/relationships" xmlns:p="http://schemas.openxmlformats.org/presentationml/2006/main">
   <p:cSld>
     <p:spTree>
@@ -8389,13 +8831,13 @@
   <p:clrMapOvr>
     <a:masterClrMapping/>
   </p:clrMapOvr>
-  <mc:AlternateContent xmlns:mc="http://schemas.openxmlformats.org/markup-compatibility/2006">
-    <mc:Choice xmlns:p14="http://schemas.microsoft.com/office/powerpoint/2010/main" Requires="p14">
+  <mc:AlternateContent xmlns:mc="http://schemas.openxmlformats.org/markup-compatibility/2006" xmlns:p14="http://schemas.microsoft.com/office/powerpoint/2010/main">
+    <mc:Choice Requires="p14">
       <p:transition spd="med" p14:dur="700">
         <p:fade/>
       </p:transition>
     </mc:Choice>
-    <mc:Fallback>
+    <mc:Fallback xmlns="">
       <p:transition spd="med">
         <p:fade/>
       </p:transition>
@@ -8411,7 +8853,7 @@
 </p:sld>
 </file>
 
-<file path=ppt/slides/slide13.xml><?xml version="1.0" encoding="utf-8"?>
+<file path=ppt/slides/slide15.xml><?xml version="1.0" encoding="utf-8"?>
 <p:sld xmlns:a="http://schemas.openxmlformats.org/drawingml/2006/main" xmlns:r="http://schemas.openxmlformats.org/officeDocument/2006/relationships" xmlns:p="http://schemas.openxmlformats.org/presentationml/2006/main">
   <p:cSld>
     <p:spTree>
@@ -8605,13 +9047,13 @@
   <p:clrMapOvr>
     <a:masterClrMapping/>
   </p:clrMapOvr>
-  <mc:AlternateContent xmlns:mc="http://schemas.openxmlformats.org/markup-compatibility/2006">
-    <mc:Choice xmlns:p14="http://schemas.microsoft.com/office/powerpoint/2010/main" Requires="p14">
+  <mc:AlternateContent xmlns:mc="http://schemas.openxmlformats.org/markup-compatibility/2006" xmlns:p14="http://schemas.microsoft.com/office/powerpoint/2010/main">
+    <mc:Choice Requires="p14">
       <p:transition spd="med" p14:dur="700">
         <p:fade/>
       </p:transition>
     </mc:Choice>
-    <mc:Fallback>
+    <mc:Fallback xmlns="">
       <p:transition spd="med">
         <p:fade/>
       </p:transition>
@@ -8627,7 +9069,7 @@
 </p:sld>
 </file>
 
-<file path=ppt/slides/slide14.xml><?xml version="1.0" encoding="utf-8"?>
+<file path=ppt/slides/slide16.xml><?xml version="1.0" encoding="utf-8"?>
 <p:sld xmlns:a="http://schemas.openxmlformats.org/drawingml/2006/main" xmlns:r="http://schemas.openxmlformats.org/officeDocument/2006/relationships" xmlns:p="http://schemas.openxmlformats.org/presentationml/2006/main">
   <p:cSld>
     <p:spTree>
@@ -8682,6 +9124,7 @@
           <a:bodyPr/>
           <a:lstStyle/>
           <a:p>
+            <a:pPr algn="just"/>
             <a:r>
               <a:rPr lang="en-US" dirty="0" err="1" smtClean="0"/>
               <a:t>Metode</a:t>
@@ -8748,6 +9191,7 @@
             </a:r>
           </a:p>
           <a:p>
+            <a:pPr algn="just"/>
             <a:r>
               <a:rPr lang="en-US" dirty="0" err="1" smtClean="0"/>
               <a:t>Jumlah</a:t>
@@ -8862,6 +9306,7 @@
             </a:r>
           </a:p>
           <a:p>
+            <a:pPr algn="just"/>
             <a:r>
               <a:rPr lang="en-US" dirty="0" err="1" smtClean="0"/>
               <a:t>Jumlah</a:t>
@@ -8936,6 +9381,7 @@
             </a:r>
           </a:p>
           <a:p>
+            <a:pPr algn="just"/>
             <a:r>
               <a:rPr lang="en-US" dirty="0" smtClean="0"/>
               <a:t>Clique </a:t>
@@ -9090,13 +9536,13 @@
   <p:clrMapOvr>
     <a:masterClrMapping/>
   </p:clrMapOvr>
-  <mc:AlternateContent xmlns:mc="http://schemas.openxmlformats.org/markup-compatibility/2006">
-    <mc:Choice xmlns:p14="http://schemas.microsoft.com/office/powerpoint/2010/main" Requires="p14">
+  <mc:AlternateContent xmlns:mc="http://schemas.openxmlformats.org/markup-compatibility/2006" xmlns:p14="http://schemas.microsoft.com/office/powerpoint/2010/main">
+    <mc:Choice Requires="p14">
       <p:transition spd="med" p14:dur="700">
         <p:fade/>
       </p:transition>
     </mc:Choice>
-    <mc:Fallback>
+    <mc:Fallback xmlns="">
       <p:transition spd="med">
         <p:fade/>
       </p:transition>
@@ -9112,7 +9558,7 @@
 </p:sld>
 </file>
 
-<file path=ppt/slides/slide15.xml><?xml version="1.0" encoding="utf-8"?>
+<file path=ppt/slides/slide17.xml><?xml version="1.0" encoding="utf-8"?>
 <p:sld xmlns:a="http://schemas.openxmlformats.org/drawingml/2006/main" xmlns:r="http://schemas.openxmlformats.org/officeDocument/2006/relationships" xmlns:p="http://schemas.openxmlformats.org/presentationml/2006/main">
   <p:cSld>
     <p:spTree>
@@ -9219,13 +9665,13 @@
   <p:clrMapOvr>
     <a:masterClrMapping/>
   </p:clrMapOvr>
-  <mc:AlternateContent xmlns:mc="http://schemas.openxmlformats.org/markup-compatibility/2006">
-    <mc:Choice xmlns:p14="http://schemas.microsoft.com/office/powerpoint/2010/main" Requires="p14">
+  <mc:AlternateContent xmlns:mc="http://schemas.openxmlformats.org/markup-compatibility/2006" xmlns:p14="http://schemas.microsoft.com/office/powerpoint/2010/main">
+    <mc:Choice Requires="p14">
       <p:transition spd="med" p14:dur="700">
         <p:fade/>
       </p:transition>
     </mc:Choice>
-    <mc:Fallback>
+    <mc:Fallback xmlns="">
       <p:transition spd="med">
         <p:fade/>
       </p:transition>
@@ -9752,13 +10198,13 @@
   <p:clrMapOvr>
     <a:masterClrMapping/>
   </p:clrMapOvr>
-  <mc:AlternateContent xmlns:mc="http://schemas.openxmlformats.org/markup-compatibility/2006">
-    <mc:Choice xmlns:p14="http://schemas.microsoft.com/office/powerpoint/2010/main" Requires="p14">
+  <mc:AlternateContent xmlns:mc="http://schemas.openxmlformats.org/markup-compatibility/2006" xmlns:p14="http://schemas.microsoft.com/office/powerpoint/2010/main">
+    <mc:Choice Requires="p14">
       <p:transition spd="med" p14:dur="700">
         <p:fade/>
       </p:transition>
     </mc:Choice>
-    <mc:Fallback>
+    <mc:Fallback xmlns="">
       <p:transition spd="med">
         <p:fade/>
       </p:transition>
@@ -10064,13 +10510,13 @@
   <p:clrMapOvr>
     <a:masterClrMapping/>
   </p:clrMapOvr>
-  <mc:AlternateContent xmlns:mc="http://schemas.openxmlformats.org/markup-compatibility/2006">
-    <mc:Choice xmlns:p14="http://schemas.microsoft.com/office/powerpoint/2010/main" Requires="p14">
+  <mc:AlternateContent xmlns:mc="http://schemas.openxmlformats.org/markup-compatibility/2006" xmlns:p14="http://schemas.microsoft.com/office/powerpoint/2010/main">
+    <mc:Choice Requires="p14">
       <p:transition spd="med" p14:dur="700">
         <p:fade/>
       </p:transition>
     </mc:Choice>
-    <mc:Fallback>
+    <mc:Fallback xmlns="">
       <p:transition spd="med">
         <p:fade/>
       </p:transition>
@@ -10269,14 +10715,14 @@
       </p:pic>
       <p:sp>
         <p:nvSpPr>
-          <p:cNvPr id="8" name="TextBox 7"/>
+          <p:cNvPr id="9" name="TextBox 8"/>
           <p:cNvSpPr txBox="1"/>
           <p:nvPr/>
         </p:nvSpPr>
         <p:spPr>
           <a:xfrm>
-            <a:off x="8756560" y="3599258"/>
-            <a:ext cx="3240824" cy="769441"/>
+            <a:off x="8659544" y="1830157"/>
+            <a:ext cx="3240824" cy="2123658"/>
           </a:xfrm>
           <a:prstGeom prst="rect">
             <a:avLst/>
@@ -10291,66 +10737,25 @@
           <a:p>
             <a:r>
               <a:rPr lang="en-US" sz="4400" b="1" dirty="0"/>
+              <a:t>Structure</a:t>
+            </a:r>
+            <a:r>
+              <a:rPr lang="en-US" sz="4400" b="1" dirty="0" smtClean="0"/>
+              <a:t>?</a:t>
+            </a:r>
+          </a:p>
+          <a:p>
+            <a:r>
+              <a:rPr lang="en-US" sz="4400" b="1" dirty="0" smtClean="0"/>
               <a:t>Information?</a:t>
             </a:r>
           </a:p>
-        </p:txBody>
-      </p:sp>
-      <p:sp>
-        <p:nvSpPr>
-          <p:cNvPr id="9" name="TextBox 8"/>
-          <p:cNvSpPr txBox="1"/>
-          <p:nvPr/>
-        </p:nvSpPr>
-        <p:spPr>
-          <a:xfrm>
-            <a:off x="8756560" y="2730324"/>
-            <a:ext cx="2622898" cy="769441"/>
-          </a:xfrm>
-          <a:prstGeom prst="rect">
-            <a:avLst/>
-          </a:prstGeom>
-          <a:noFill/>
-        </p:spPr>
-        <p:txBody>
-          <a:bodyPr wrap="none" rtlCol="0">
-            <a:spAutoFit/>
-          </a:bodyPr>
-          <a:lstStyle/>
-          <a:p>
-            <a:r>
-              <a:rPr lang="en-US" sz="4400" b="1" dirty="0"/>
-              <a:t>Structure?</a:t>
-            </a:r>
-          </a:p>
-        </p:txBody>
-      </p:sp>
-      <p:sp>
-        <p:nvSpPr>
-          <p:cNvPr id="10" name="TextBox 9"/>
-          <p:cNvSpPr txBox="1"/>
-          <p:nvPr/>
-        </p:nvSpPr>
-        <p:spPr>
-          <a:xfrm>
-            <a:off x="8756560" y="4468192"/>
-            <a:ext cx="3046796" cy="769441"/>
-          </a:xfrm>
-          <a:prstGeom prst="rect">
-            <a:avLst/>
-          </a:prstGeom>
-          <a:noFill/>
-        </p:spPr>
-        <p:txBody>
-          <a:bodyPr wrap="none" rtlCol="0">
-            <a:spAutoFit/>
-          </a:bodyPr>
-          <a:lstStyle/>
-          <a:p>
-            <a:r>
-              <a:rPr lang="en-US" sz="4400" b="1" dirty="0"/>
+          <a:p>
+            <a:r>
+              <a:rPr lang="en-US" sz="4400" b="1" dirty="0" smtClean="0"/>
               <a:t>Summarize?</a:t>
             </a:r>
+            <a:endParaRPr lang="en-US" sz="4400" b="1" dirty="0"/>
           </a:p>
         </p:txBody>
       </p:sp>
@@ -10362,7 +10767,7 @@
         </p:nvSpPr>
         <p:spPr>
           <a:xfrm>
-            <a:off x="9393112" y="5337126"/>
+            <a:off x="9393111" y="4306686"/>
             <a:ext cx="1773691" cy="1200329"/>
           </a:xfrm>
           <a:prstGeom prst="rect">
@@ -10384,6 +10789,36 @@
           </a:p>
         </p:txBody>
       </p:sp>
+      <p:sp>
+        <p:nvSpPr>
+          <p:cNvPr id="12" name="TextBox 11"/>
+          <p:cNvSpPr txBox="1"/>
+          <p:nvPr/>
+        </p:nvSpPr>
+        <p:spPr>
+          <a:xfrm>
+            <a:off x="9709928" y="5330127"/>
+            <a:ext cx="1140056" cy="769441"/>
+          </a:xfrm>
+          <a:prstGeom prst="rect">
+            <a:avLst/>
+          </a:prstGeom>
+          <a:noFill/>
+        </p:spPr>
+        <p:txBody>
+          <a:bodyPr wrap="none" rtlCol="0">
+            <a:spAutoFit/>
+          </a:bodyPr>
+          <a:lstStyle/>
+          <a:p>
+            <a:r>
+              <a:rPr lang="en-US" sz="4400" b="1" dirty="0" smtClean="0"/>
+              <a:t>GCC</a:t>
+            </a:r>
+            <a:endParaRPr lang="en-US" sz="4400" b="1" dirty="0"/>
+          </a:p>
+        </p:txBody>
+      </p:sp>
     </p:spTree>
     <p:extLst>
       <p:ext uri="{BB962C8B-B14F-4D97-AF65-F5344CB8AC3E}">
@@ -10394,13 +10829,13 @@
   <p:clrMapOvr>
     <a:masterClrMapping/>
   </p:clrMapOvr>
-  <mc:AlternateContent xmlns:mc="http://schemas.openxmlformats.org/markup-compatibility/2006">
-    <mc:Choice xmlns:p14="http://schemas.microsoft.com/office/powerpoint/2010/main" Requires="p14">
+  <mc:AlternateContent xmlns:mc="http://schemas.openxmlformats.org/markup-compatibility/2006" xmlns:p14="http://schemas.microsoft.com/office/powerpoint/2010/main">
+    <mc:Choice Requires="p14">
       <p:transition spd="med" p14:dur="700">
         <p:fade/>
       </p:transition>
     </mc:Choice>
-    <mc:Fallback>
+    <mc:Fallback xmlns="">
       <p:transition spd="med">
         <p:fade/>
       </p:transition>
@@ -10468,14 +10903,21 @@
         </p:nvSpPr>
         <p:spPr>
           <a:xfrm>
-            <a:off x="838203" y="2894573"/>
-            <a:ext cx="10515600" cy="2978196"/>
+            <a:off x="786687" y="2044567"/>
+            <a:ext cx="10515600" cy="4330475"/>
           </a:xfrm>
         </p:spPr>
         <p:txBody>
-          <a:bodyPr/>
+          <a:bodyPr>
+            <a:normAutofit/>
+          </a:bodyPr>
           <a:lstStyle/>
           <a:p>
+            <a:pPr>
+              <a:lnSpc>
+                <a:spcPct val="150000"/>
+              </a:lnSpc>
+            </a:pPr>
             <a:r>
               <a:rPr lang="en-US" dirty="0" err="1" smtClean="0"/>
               <a:t>Mengimplementasikan</a:t>
@@ -10502,6 +10944,11 @@
             </a:r>
           </a:p>
           <a:p>
+            <a:pPr>
+              <a:lnSpc>
+                <a:spcPct val="150000"/>
+              </a:lnSpc>
+            </a:pPr>
             <a:r>
               <a:rPr lang="en-US" dirty="0" err="1" smtClean="0"/>
               <a:t>Menganalisis</a:t>
@@ -10540,19 +10987,118 @@
             </a:r>
             <a:r>
               <a:rPr lang="en-US" dirty="0" smtClean="0"/>
+              <a:t> </a:t>
+            </a:r>
+            <a:r>
+              <a:rPr lang="en-US" dirty="0" smtClean="0"/>
+              <a:t>GCC (</a:t>
+            </a:r>
+            <a:r>
+              <a:rPr lang="en-US" i="1" dirty="0" smtClean="0"/>
+              <a:t>k)</a:t>
+            </a:r>
+            <a:r>
+              <a:rPr lang="en-US" dirty="0" smtClean="0"/>
+              <a:t> </a:t>
+            </a:r>
+            <a:r>
+              <a:rPr lang="en-US" dirty="0" err="1" smtClean="0"/>
+              <a:t>terhadap</a:t>
+            </a:r>
+            <a:r>
+              <a:rPr lang="en-US" dirty="0" smtClean="0"/>
+              <a:t> subgraph yang </a:t>
+            </a:r>
+            <a:r>
+              <a:rPr lang="en-US" dirty="0" err="1" smtClean="0"/>
+              <a:t>dihasilkan</a:t>
+            </a:r>
+            <a:r>
+              <a:rPr lang="en-US" dirty="0" smtClean="0"/>
+              <a:t>.</a:t>
+            </a:r>
+          </a:p>
+          <a:p>
+            <a:pPr>
+              <a:lnSpc>
+                <a:spcPct val="150000"/>
+              </a:lnSpc>
+            </a:pPr>
+            <a:r>
+              <a:rPr lang="en-US" dirty="0" err="1" smtClean="0"/>
+              <a:t>Menganalisis</a:t>
+            </a:r>
+            <a:r>
+              <a:rPr lang="en-US" dirty="0" smtClean="0"/>
+              <a:t> </a:t>
+            </a:r>
+            <a:r>
+              <a:rPr lang="en-US" dirty="0" err="1" smtClean="0"/>
+              <a:t>pengaruh</a:t>
+            </a:r>
+            <a:r>
+              <a:rPr lang="en-US" dirty="0" smtClean="0"/>
+              <a:t> </a:t>
+            </a:r>
+            <a:r>
+              <a:rPr lang="en-US" dirty="0" err="1" smtClean="0"/>
+              <a:t>jumlah</a:t>
+            </a:r>
+            <a:r>
+              <a:rPr lang="en-US" dirty="0" smtClean="0"/>
+              <a:t> node </a:t>
+            </a:r>
+            <a:r>
+              <a:rPr lang="en-US" dirty="0" err="1" smtClean="0"/>
+              <a:t>maksimum</a:t>
+            </a:r>
+            <a:r>
+              <a:rPr lang="en-US" dirty="0" smtClean="0"/>
+              <a:t> </a:t>
+            </a:r>
+            <a:r>
+              <a:rPr lang="en-US" dirty="0" err="1" smtClean="0"/>
+              <a:t>dalam</a:t>
+            </a:r>
+            <a:r>
+              <a:rPr lang="en-US" dirty="0" smtClean="0"/>
               <a:t> GCC </a:t>
             </a:r>
             <a:r>
+              <a:rPr lang="en-US" dirty="0"/>
+              <a:t>(</a:t>
+            </a:r>
+            <a:r>
+              <a:rPr lang="en-US" i="1" dirty="0"/>
+              <a:t>k) </a:t>
+            </a:r>
+            <a:r>
               <a:rPr lang="en-US" dirty="0" err="1" smtClean="0"/>
               <a:t>terhadap</a:t>
             </a:r>
             <a:r>
               <a:rPr lang="en-US" dirty="0" smtClean="0"/>
-              <a:t> subgraph yang </a:t>
-            </a:r>
-            <a:r>
-              <a:rPr lang="en-US" dirty="0" err="1" smtClean="0"/>
-              <a:t>dihasilkan</a:t>
+              <a:t> </a:t>
+            </a:r>
+            <a:r>
+              <a:rPr lang="en-US" dirty="0" err="1" smtClean="0"/>
+              <a:t>waktu</a:t>
+            </a:r>
+            <a:r>
+              <a:rPr lang="en-US" dirty="0" smtClean="0"/>
+              <a:t> </a:t>
+            </a:r>
+            <a:r>
+              <a:rPr lang="en-US" dirty="0" err="1" smtClean="0"/>
+              <a:t>eksekusi</a:t>
+            </a:r>
+            <a:r>
+              <a:rPr lang="en-US" dirty="0" smtClean="0"/>
+              <a:t> </a:t>
+            </a:r>
+            <a:r>
+              <a:rPr lang="en-US" dirty="0" err="1" smtClean="0"/>
+              <a:t>VoG</a:t>
             </a:r>
             <a:r>
               <a:rPr lang="en-US" dirty="0" smtClean="0"/>
@@ -10560,80 +11106,11 @@
             </a:r>
           </a:p>
           <a:p>
-            <a:r>
-              <a:rPr lang="en-US" dirty="0" err="1" smtClean="0"/>
-              <a:t>Menganalisis</a:t>
-            </a:r>
-            <a:r>
-              <a:rPr lang="en-US" dirty="0" smtClean="0"/>
-              <a:t> </a:t>
-            </a:r>
-            <a:r>
-              <a:rPr lang="en-US" dirty="0" err="1" smtClean="0"/>
-              <a:t>pengaruh</a:t>
-            </a:r>
-            <a:r>
-              <a:rPr lang="en-US" dirty="0" smtClean="0"/>
-              <a:t> </a:t>
-            </a:r>
-            <a:r>
-              <a:rPr lang="en-US" dirty="0" err="1" smtClean="0"/>
-              <a:t>jumlah</a:t>
-            </a:r>
-            <a:r>
-              <a:rPr lang="en-US" dirty="0" smtClean="0"/>
-              <a:t> node </a:t>
-            </a:r>
-            <a:r>
-              <a:rPr lang="en-US" dirty="0" err="1" smtClean="0"/>
-              <a:t>maksimum</a:t>
-            </a:r>
-            <a:r>
-              <a:rPr lang="en-US" dirty="0" smtClean="0"/>
-              <a:t> </a:t>
-            </a:r>
-            <a:r>
-              <a:rPr lang="en-US" dirty="0" err="1" smtClean="0"/>
-              <a:t>dalam</a:t>
-            </a:r>
-            <a:r>
-              <a:rPr lang="en-US" dirty="0" smtClean="0"/>
-              <a:t> GCC </a:t>
-            </a:r>
-            <a:r>
-              <a:rPr lang="en-US" dirty="0" err="1" smtClean="0"/>
-              <a:t>terhadap</a:t>
-            </a:r>
-            <a:r>
-              <a:rPr lang="en-US" dirty="0" smtClean="0"/>
-              <a:t> </a:t>
-            </a:r>
-            <a:r>
-              <a:rPr lang="en-US" dirty="0" err="1" smtClean="0"/>
-              <a:t>waktu</a:t>
-            </a:r>
-            <a:r>
-              <a:rPr lang="en-US" dirty="0" smtClean="0"/>
-              <a:t> </a:t>
-            </a:r>
-            <a:r>
-              <a:rPr lang="en-US" dirty="0" err="1" smtClean="0"/>
-              <a:t>eksekusi</a:t>
-            </a:r>
-            <a:r>
-              <a:rPr lang="en-US" dirty="0" smtClean="0"/>
-              <a:t> </a:t>
-            </a:r>
-            <a:r>
-              <a:rPr lang="en-US" dirty="0" err="1" smtClean="0"/>
-              <a:t>VoG</a:t>
-            </a:r>
-            <a:r>
-              <a:rPr lang="en-US" dirty="0" smtClean="0"/>
-              <a:t>.</a:t>
-            </a:r>
-          </a:p>
-          <a:p>
+            <a:pPr>
+              <a:lnSpc>
+                <a:spcPct val="150000"/>
+              </a:lnSpc>
+            </a:pPr>
             <a:r>
               <a:rPr lang="en-US" dirty="0" err="1" smtClean="0"/>
               <a:t>Menganalisis</a:t>
@@ -10688,13 +11165,13 @@
   <p:clrMapOvr>
     <a:masterClrMapping/>
   </p:clrMapOvr>
-  <mc:AlternateContent xmlns:mc="http://schemas.openxmlformats.org/markup-compatibility/2006">
-    <mc:Choice xmlns:p14="http://schemas.microsoft.com/office/powerpoint/2010/main" Requires="p14">
+  <mc:AlternateContent xmlns:mc="http://schemas.openxmlformats.org/markup-compatibility/2006" xmlns:p14="http://schemas.microsoft.com/office/powerpoint/2010/main">
+    <mc:Choice Requires="p14">
       <p:transition spd="med" p14:dur="700">
         <p:fade/>
       </p:transition>
     </mc:Choice>
-    <mc:Fallback>
+    <mc:Fallback xmlns="">
       <p:transition spd="med">
         <p:fade/>
       </p:transition>
@@ -10744,15 +11221,19 @@
           <a:p>
             <a:r>
               <a:rPr lang="en-US" dirty="0" err="1" smtClean="0"/>
-              <a:t>Perancangan</a:t>
+              <a:t>Istilah</a:t>
             </a:r>
             <a:r>
               <a:rPr lang="en-US" dirty="0" smtClean="0"/>
               <a:t> </a:t>
             </a:r>
             <a:r>
-              <a:rPr lang="en-US" dirty="0" err="1" smtClean="0"/>
-              <a:t>Sistem</a:t>
+              <a:rPr lang="en-US" dirty="0" err="1"/>
+              <a:t>P</a:t>
+            </a:r>
+            <a:r>
+              <a:rPr lang="en-US" dirty="0" err="1" smtClean="0"/>
+              <a:t>enting</a:t>
             </a:r>
             <a:endParaRPr lang="en-US" dirty="0"/>
           </a:p>
@@ -10762,14 +11243,14 @@
         <p:nvPicPr>
           <p:cNvPr id="4" name="Content Placeholder 3"/>
           <p:cNvPicPr>
-            <a:picLocks noGrp="1" noChangeAspect="1"/>
+            <a:picLocks noGrp="1"/>
           </p:cNvPicPr>
           <p:nvPr>
             <p:ph idx="1"/>
           </p:nvPr>
         </p:nvPicPr>
         <p:blipFill>
-          <a:blip r:embed="rId2" cstate="print">
+          <a:blip r:embed="rId2">
             <a:extLst>
               <a:ext uri="{28A0092B-C50C-407E-A947-70E740481C1C}">
                 <a14:useLocalDpi xmlns:a14="http://schemas.microsoft.com/office/drawing/2010/main" val="0"/>
@@ -10782,28 +11263,81 @@
         </p:blipFill>
         <p:spPr>
           <a:xfrm>
-            <a:off x="3069518" y="1862431"/>
-            <a:ext cx="6052969" cy="4576636"/>
+            <a:off x="3065853" y="1970468"/>
+            <a:ext cx="6492092" cy="3477295"/>
           </a:xfrm>
+          <a:prstGeom prst="rect">
+            <a:avLst/>
+          </a:prstGeom>
         </p:spPr>
       </p:pic>
+      <p:sp>
+        <p:nvSpPr>
+          <p:cNvPr id="5" name="TextBox 4"/>
+          <p:cNvSpPr txBox="1"/>
+          <p:nvPr/>
+        </p:nvSpPr>
+        <p:spPr>
+          <a:xfrm>
+            <a:off x="880096" y="2585730"/>
+            <a:ext cx="1487458" cy="2308324"/>
+          </a:xfrm>
+          <a:prstGeom prst="rect">
+            <a:avLst/>
+          </a:prstGeom>
+          <a:noFill/>
+        </p:spPr>
+        <p:txBody>
+          <a:bodyPr wrap="none" rtlCol="0">
+            <a:spAutoFit/>
+          </a:bodyPr>
+          <a:lstStyle/>
+          <a:p>
+            <a:r>
+              <a:rPr lang="en-US" sz="3600" dirty="0"/>
+              <a:t>k</a:t>
+            </a:r>
+            <a:endParaRPr lang="en-US" sz="3600" dirty="0" smtClean="0"/>
+          </a:p>
+          <a:p>
+            <a:r>
+              <a:rPr lang="en-US" sz="3600" dirty="0" smtClean="0"/>
+              <a:t>Hub</a:t>
+            </a:r>
+          </a:p>
+          <a:p>
+            <a:r>
+              <a:rPr lang="en-US" sz="3600" dirty="0" smtClean="0"/>
+              <a:t>GCC</a:t>
+            </a:r>
+            <a:endParaRPr lang="en-US" sz="3600" dirty="0" smtClean="0"/>
+          </a:p>
+          <a:p>
+            <a:r>
+              <a:rPr lang="en-US" sz="3600" dirty="0" smtClean="0"/>
+              <a:t>Spokes</a:t>
+            </a:r>
+            <a:endParaRPr lang="en-US" sz="3600" dirty="0"/>
+          </a:p>
+        </p:txBody>
+      </p:sp>
     </p:spTree>
     <p:extLst>
       <p:ext uri="{BB962C8B-B14F-4D97-AF65-F5344CB8AC3E}">
-        <p14:creationId xmlns:p14="http://schemas.microsoft.com/office/powerpoint/2010/main" val="2026216211"/>
+        <p14:creationId xmlns:p14="http://schemas.microsoft.com/office/powerpoint/2010/main" val="3262436556"/>
       </p:ext>
     </p:extLst>
   </p:cSld>
   <p:clrMapOvr>
     <a:masterClrMapping/>
   </p:clrMapOvr>
-  <mc:AlternateContent xmlns:mc="http://schemas.openxmlformats.org/markup-compatibility/2006">
-    <mc:Choice xmlns:p14="http://schemas.microsoft.com/office/powerpoint/2010/main" Requires="p14">
+  <mc:AlternateContent xmlns:mc="http://schemas.openxmlformats.org/markup-compatibility/2006" xmlns:p14="http://schemas.microsoft.com/office/powerpoint/2010/main">
+    <mc:Choice Requires="p14">
       <p:transition spd="med" p14:dur="700">
         <p:fade/>
       </p:transition>
     </mc:Choice>
-    <mc:Fallback>
+    <mc:Fallback xmlns="">
       <p:transition spd="med">
         <p:fade/>
       </p:transition>
@@ -10853,7 +11387,7 @@
           <a:p>
             <a:r>
               <a:rPr lang="en-US" dirty="0" err="1" smtClean="0"/>
-              <a:t>Skenario</a:t>
+              <a:t>Istilah</a:t>
             </a:r>
             <a:r>
               <a:rPr lang="en-US" dirty="0" smtClean="0"/>
@@ -10861,7 +11395,7 @@
             </a:r>
             <a:r>
               <a:rPr lang="en-US" dirty="0" err="1" smtClean="0"/>
-              <a:t>Pengujian</a:t>
+              <a:t>Penting</a:t>
             </a:r>
             <a:endParaRPr lang="en-US" dirty="0"/>
           </a:p>
@@ -10877,183 +11411,498 @@
             <p:ph idx="1"/>
           </p:nvPr>
         </p:nvSpPr>
-        <p:spPr/>
+        <p:spPr>
+          <a:xfrm>
+            <a:off x="2209801" y="1838504"/>
+            <a:ext cx="7236851" cy="904696"/>
+          </a:xfrm>
+        </p:spPr>
         <p:txBody>
           <a:bodyPr/>
           <a:lstStyle/>
           <a:p>
-            <a:endParaRPr lang="en-US" dirty="0" smtClean="0"/>
-          </a:p>
-          <a:p>
+            <a:r>
+              <a:rPr lang="en-US" dirty="0" smtClean="0"/>
+              <a:t>Vocabulary (</a:t>
+            </a:r>
+            <a:r>
+              <a:rPr lang="el-GR" dirty="0" smtClean="0"/>
+              <a:t>Ω</a:t>
+            </a:r>
+            <a:r>
+              <a:rPr lang="en-US" dirty="0" smtClean="0"/>
+              <a:t>) = clique, star, chain, bipartite</a:t>
+            </a:r>
             <a:endParaRPr lang="en-US" dirty="0"/>
-          </a:p>
-          <a:p>
-            <a:pPr marL="514350" indent="-514350">
-              <a:buFont typeface="+mj-lt"/>
-              <a:buAutoNum type="arabicPeriod"/>
-            </a:pPr>
-            <a:r>
-              <a:rPr lang="en-US" dirty="0" err="1" smtClean="0"/>
-              <a:t>Skenario</a:t>
-            </a:r>
-            <a:r>
-              <a:rPr lang="en-US" dirty="0" smtClean="0"/>
-              <a:t> </a:t>
-            </a:r>
-            <a:r>
-              <a:rPr lang="en-US" dirty="0" err="1" smtClean="0"/>
-              <a:t>pengujian</a:t>
-            </a:r>
-            <a:r>
-              <a:rPr lang="en-US" dirty="0" smtClean="0"/>
-              <a:t> </a:t>
-            </a:r>
-            <a:r>
-              <a:rPr lang="en-US" dirty="0" err="1" smtClean="0"/>
-              <a:t>algoritma</a:t>
-            </a:r>
-            <a:r>
-              <a:rPr lang="en-US" dirty="0" smtClean="0"/>
-              <a:t> Graph Decomposition (</a:t>
-            </a:r>
-            <a:r>
-              <a:rPr lang="en-US" dirty="0" err="1" smtClean="0"/>
-              <a:t>Slashburn</a:t>
-            </a:r>
-            <a:r>
-              <a:rPr lang="en-US" dirty="0" smtClean="0"/>
-              <a:t>)</a:t>
-            </a:r>
-          </a:p>
-          <a:p>
-            <a:pPr marL="514350" indent="-514350">
-              <a:buFont typeface="+mj-lt"/>
-              <a:buAutoNum type="arabicPeriod"/>
-            </a:pPr>
-            <a:r>
-              <a:rPr lang="en-US" dirty="0" err="1" smtClean="0"/>
-              <a:t>Skenario</a:t>
-            </a:r>
-            <a:r>
-              <a:rPr lang="en-US" dirty="0" smtClean="0"/>
-              <a:t> </a:t>
-            </a:r>
-            <a:r>
-              <a:rPr lang="en-US" dirty="0" err="1" smtClean="0"/>
-              <a:t>pengujian</a:t>
-            </a:r>
-            <a:r>
-              <a:rPr lang="en-US" dirty="0" smtClean="0"/>
-              <a:t> </a:t>
-            </a:r>
-            <a:r>
-              <a:rPr lang="en-US" dirty="0" err="1" smtClean="0"/>
-              <a:t>pengaruh</a:t>
-            </a:r>
-            <a:r>
-              <a:rPr lang="en-US" dirty="0" smtClean="0"/>
-              <a:t> </a:t>
-            </a:r>
-            <a:r>
-              <a:rPr lang="en-US" i="1" dirty="0" smtClean="0"/>
-              <a:t>k </a:t>
-            </a:r>
-            <a:r>
-              <a:rPr lang="en-US" dirty="0" err="1" smtClean="0"/>
-              <a:t>terhadap</a:t>
-            </a:r>
-            <a:r>
-              <a:rPr lang="en-US" dirty="0" smtClean="0"/>
-              <a:t> subgraph yang </a:t>
-            </a:r>
-            <a:r>
-              <a:rPr lang="en-US" dirty="0" err="1" smtClean="0"/>
-              <a:t>dihasilkan</a:t>
-            </a:r>
-            <a:endParaRPr lang="en-US" dirty="0" smtClean="0"/>
-          </a:p>
-          <a:p>
-            <a:pPr marL="514350" indent="-514350">
-              <a:buFont typeface="+mj-lt"/>
-              <a:buAutoNum type="arabicPeriod"/>
-            </a:pPr>
-            <a:r>
-              <a:rPr lang="en-US" dirty="0" err="1" smtClean="0"/>
-              <a:t>Skenario</a:t>
-            </a:r>
-            <a:r>
-              <a:rPr lang="en-US" dirty="0" smtClean="0"/>
-              <a:t> </a:t>
-            </a:r>
-            <a:r>
-              <a:rPr lang="en-US" dirty="0" err="1" smtClean="0"/>
-              <a:t>pengujian</a:t>
-            </a:r>
-            <a:r>
-              <a:rPr lang="en-US" dirty="0" smtClean="0"/>
-              <a:t> </a:t>
-            </a:r>
-            <a:r>
-              <a:rPr lang="en-US" dirty="0" err="1" smtClean="0"/>
-              <a:t>pengaruh</a:t>
-            </a:r>
-            <a:r>
-              <a:rPr lang="en-US" dirty="0" smtClean="0"/>
-              <a:t> </a:t>
-            </a:r>
-            <a:r>
-              <a:rPr lang="en-US" i="1" dirty="0" smtClean="0"/>
-              <a:t>k </a:t>
-            </a:r>
-            <a:r>
-              <a:rPr lang="en-US" dirty="0" err="1" smtClean="0"/>
-              <a:t>terhadap</a:t>
-            </a:r>
-            <a:r>
-              <a:rPr lang="en-US" dirty="0" smtClean="0"/>
-              <a:t> </a:t>
-            </a:r>
-            <a:r>
-              <a:rPr lang="en-US" dirty="0" err="1" smtClean="0"/>
-              <a:t>waktu</a:t>
-            </a:r>
-            <a:r>
-              <a:rPr lang="en-US" dirty="0" smtClean="0"/>
-              <a:t> </a:t>
-            </a:r>
-            <a:r>
-              <a:rPr lang="en-US" dirty="0" err="1" smtClean="0"/>
-              <a:t>eksekusi</a:t>
-            </a:r>
-            <a:r>
-              <a:rPr lang="en-US" dirty="0" smtClean="0"/>
-              <a:t> </a:t>
-            </a:r>
-            <a:r>
-              <a:rPr lang="en-US" dirty="0" err="1" smtClean="0"/>
-              <a:t>VoG</a:t>
-            </a:r>
-            <a:endParaRPr lang="en-US" i="1" dirty="0"/>
           </a:p>
         </p:txBody>
       </p:sp>
+      <p:grpSp>
+        <p:nvGrpSpPr>
+          <p:cNvPr id="20" name="Group 19"/>
+          <p:cNvGrpSpPr/>
+          <p:nvPr/>
+        </p:nvGrpSpPr>
+        <p:grpSpPr>
+          <a:xfrm>
+            <a:off x="1135070" y="2469541"/>
+            <a:ext cx="4279738" cy="1814196"/>
+            <a:chOff x="555522" y="2448267"/>
+            <a:chExt cx="4279738" cy="1814196"/>
+          </a:xfrm>
+        </p:grpSpPr>
+        <p:pic>
+          <p:nvPicPr>
+            <p:cNvPr id="4" name="Picture 3"/>
+            <p:cNvPicPr/>
+            <p:nvPr/>
+          </p:nvPicPr>
+          <p:blipFill>
+            <a:blip r:embed="rId2" cstate="print">
+              <a:extLst>
+                <a:ext uri="{28A0092B-C50C-407E-A947-70E740481C1C}">
+                  <a14:useLocalDpi xmlns:a14="http://schemas.microsoft.com/office/drawing/2010/main" val="0"/>
+                </a:ext>
+              </a:extLst>
+            </a:blip>
+            <a:stretch>
+              <a:fillRect/>
+            </a:stretch>
+          </p:blipFill>
+          <p:spPr>
+            <a:xfrm>
+              <a:off x="555522" y="2448268"/>
+              <a:ext cx="1895475" cy="1814195"/>
+            </a:xfrm>
+            <a:prstGeom prst="rect">
+              <a:avLst/>
+            </a:prstGeom>
+          </p:spPr>
+        </p:pic>
+        <p:pic>
+          <p:nvPicPr>
+            <p:cNvPr id="5" name="Picture 4"/>
+            <p:cNvPicPr/>
+            <p:nvPr/>
+          </p:nvPicPr>
+          <p:blipFill>
+            <a:blip r:embed="rId3" cstate="print">
+              <a:extLst>
+                <a:ext uri="{28A0092B-C50C-407E-A947-70E740481C1C}">
+                  <a14:useLocalDpi xmlns:a14="http://schemas.microsoft.com/office/drawing/2010/main" val="0"/>
+                </a:ext>
+              </a:extLst>
+            </a:blip>
+            <a:stretch>
+              <a:fillRect/>
+            </a:stretch>
+          </p:blipFill>
+          <p:spPr>
+            <a:xfrm>
+              <a:off x="2919935" y="2448267"/>
+              <a:ext cx="1915325" cy="1802583"/>
+            </a:xfrm>
+            <a:prstGeom prst="rect">
+              <a:avLst/>
+            </a:prstGeom>
+          </p:spPr>
+        </p:pic>
+        <p:sp>
+          <p:nvSpPr>
+            <p:cNvPr id="16" name="TextBox 15"/>
+            <p:cNvSpPr txBox="1"/>
+            <p:nvPr/>
+          </p:nvSpPr>
+          <p:spPr>
+            <a:xfrm>
+              <a:off x="2360224" y="3709115"/>
+              <a:ext cx="772969" cy="369332"/>
+            </a:xfrm>
+            <a:prstGeom prst="rect">
+              <a:avLst/>
+            </a:prstGeom>
+            <a:noFill/>
+          </p:spPr>
+          <p:txBody>
+            <a:bodyPr wrap="none" rtlCol="0">
+              <a:spAutoFit/>
+            </a:bodyPr>
+            <a:lstStyle/>
+            <a:p>
+              <a:r>
+                <a:rPr lang="en-US" dirty="0" smtClean="0"/>
+                <a:t>Clique</a:t>
+              </a:r>
+              <a:endParaRPr lang="en-US" dirty="0"/>
+            </a:p>
+          </p:txBody>
+        </p:sp>
+      </p:grpSp>
+      <p:grpSp>
+        <p:nvGrpSpPr>
+          <p:cNvPr id="22" name="Group 21"/>
+          <p:cNvGrpSpPr/>
+          <p:nvPr/>
+        </p:nvGrpSpPr>
+        <p:grpSpPr>
+          <a:xfrm>
+            <a:off x="6482547" y="2391197"/>
+            <a:ext cx="4048162" cy="1994416"/>
+            <a:chOff x="7821950" y="2441101"/>
+            <a:chExt cx="4048162" cy="1994416"/>
+          </a:xfrm>
+        </p:grpSpPr>
+        <p:grpSp>
+          <p:nvGrpSpPr>
+            <p:cNvPr id="14" name="Group 13"/>
+            <p:cNvGrpSpPr/>
+            <p:nvPr/>
+          </p:nvGrpSpPr>
+          <p:grpSpPr>
+            <a:xfrm>
+              <a:off x="7821950" y="2441101"/>
+              <a:ext cx="4048162" cy="1809750"/>
+              <a:chOff x="6078895" y="2408216"/>
+              <a:chExt cx="4048162" cy="1809750"/>
+            </a:xfrm>
+          </p:grpSpPr>
+          <p:pic>
+            <p:nvPicPr>
+              <p:cNvPr id="6" name="Picture 5"/>
+              <p:cNvPicPr/>
+              <p:nvPr/>
+            </p:nvPicPr>
+            <p:blipFill>
+              <a:blip r:embed="rId4" cstate="print">
+                <a:extLst>
+                  <a:ext uri="{28A0092B-C50C-407E-A947-70E740481C1C}">
+                    <a14:useLocalDpi xmlns:a14="http://schemas.microsoft.com/office/drawing/2010/main" val="0"/>
+                  </a:ext>
+                </a:extLst>
+              </a:blip>
+              <a:stretch>
+                <a:fillRect/>
+              </a:stretch>
+            </p:blipFill>
+            <p:spPr>
+              <a:xfrm>
+                <a:off x="6078895" y="2408216"/>
+                <a:ext cx="1914525" cy="1809750"/>
+              </a:xfrm>
+              <a:prstGeom prst="rect">
+                <a:avLst/>
+              </a:prstGeom>
+            </p:spPr>
+          </p:pic>
+          <p:pic>
+            <p:nvPicPr>
+              <p:cNvPr id="7" name="Picture 6"/>
+              <p:cNvPicPr/>
+              <p:nvPr/>
+            </p:nvPicPr>
+            <p:blipFill>
+              <a:blip r:embed="rId5" cstate="print">
+                <a:extLst>
+                  <a:ext uri="{28A0092B-C50C-407E-A947-70E740481C1C}">
+                    <a14:useLocalDpi xmlns:a14="http://schemas.microsoft.com/office/drawing/2010/main" val="0"/>
+                  </a:ext>
+                </a:extLst>
+              </a:blip>
+              <a:stretch>
+                <a:fillRect/>
+              </a:stretch>
+            </p:blipFill>
+            <p:spPr>
+              <a:xfrm>
+                <a:off x="8253172" y="2436656"/>
+                <a:ext cx="1873885" cy="1771650"/>
+              </a:xfrm>
+              <a:prstGeom prst="rect">
+                <a:avLst/>
+              </a:prstGeom>
+            </p:spPr>
+          </p:pic>
+        </p:grpSp>
+        <p:sp>
+          <p:nvSpPr>
+            <p:cNvPr id="17" name="TextBox 16"/>
+            <p:cNvSpPr txBox="1"/>
+            <p:nvPr/>
+          </p:nvSpPr>
+          <p:spPr>
+            <a:xfrm>
+              <a:off x="9623241" y="4066185"/>
+              <a:ext cx="994888" cy="369332"/>
+            </a:xfrm>
+            <a:prstGeom prst="rect">
+              <a:avLst/>
+            </a:prstGeom>
+            <a:noFill/>
+          </p:spPr>
+          <p:txBody>
+            <a:bodyPr wrap="none" rtlCol="0">
+              <a:spAutoFit/>
+            </a:bodyPr>
+            <a:lstStyle/>
+            <a:p>
+              <a:r>
+                <a:rPr lang="en-US" dirty="0" smtClean="0"/>
+                <a:t>Bipartite</a:t>
+              </a:r>
+              <a:endParaRPr lang="en-US" dirty="0"/>
+            </a:p>
+          </p:txBody>
+        </p:sp>
+      </p:grpSp>
+      <p:grpSp>
+        <p:nvGrpSpPr>
+          <p:cNvPr id="23" name="Group 22"/>
+          <p:cNvGrpSpPr/>
+          <p:nvPr/>
+        </p:nvGrpSpPr>
+        <p:grpSpPr>
+          <a:xfrm>
+            <a:off x="6728171" y="4753640"/>
+            <a:ext cx="4048162" cy="1697367"/>
+            <a:chOff x="7821950" y="4793630"/>
+            <a:chExt cx="4048162" cy="1697367"/>
+          </a:xfrm>
+        </p:grpSpPr>
+        <p:grpSp>
+          <p:nvGrpSpPr>
+            <p:cNvPr id="15" name="Group 14"/>
+            <p:cNvGrpSpPr/>
+            <p:nvPr/>
+          </p:nvGrpSpPr>
+          <p:grpSpPr>
+            <a:xfrm>
+              <a:off x="7821950" y="4793630"/>
+              <a:ext cx="4048162" cy="1697367"/>
+              <a:chOff x="6186869" y="4606317"/>
+              <a:chExt cx="4746300" cy="1990092"/>
+            </a:xfrm>
+          </p:grpSpPr>
+          <p:pic>
+            <p:nvPicPr>
+              <p:cNvPr id="10" name="Picture 9"/>
+              <p:cNvPicPr/>
+              <p:nvPr/>
+            </p:nvPicPr>
+            <p:blipFill>
+              <a:blip r:embed="rId6" cstate="print">
+                <a:extLst>
+                  <a:ext uri="{28A0092B-C50C-407E-A947-70E740481C1C}">
+                    <a14:useLocalDpi xmlns:a14="http://schemas.microsoft.com/office/drawing/2010/main" val="0"/>
+                  </a:ext>
+                </a:extLst>
+              </a:blip>
+              <a:stretch>
+                <a:fillRect/>
+              </a:stretch>
+            </p:blipFill>
+            <p:spPr>
+              <a:xfrm>
+                <a:off x="6186869" y="4606319"/>
+                <a:ext cx="2200275" cy="1990090"/>
+              </a:xfrm>
+              <a:prstGeom prst="rect">
+                <a:avLst/>
+              </a:prstGeom>
+            </p:spPr>
+          </p:pic>
+          <p:pic>
+            <p:nvPicPr>
+              <p:cNvPr id="11" name="Picture 10"/>
+              <p:cNvPicPr/>
+              <p:nvPr/>
+            </p:nvPicPr>
+            <p:blipFill>
+              <a:blip r:embed="rId7" cstate="print">
+                <a:extLst>
+                  <a:ext uri="{28A0092B-C50C-407E-A947-70E740481C1C}">
+                    <a14:useLocalDpi xmlns:a14="http://schemas.microsoft.com/office/drawing/2010/main" val="0"/>
+                  </a:ext>
+                </a:extLst>
+              </a:blip>
+              <a:stretch>
+                <a:fillRect/>
+              </a:stretch>
+            </p:blipFill>
+            <p:spPr>
+              <a:xfrm>
+                <a:off x="8751944" y="4606317"/>
+                <a:ext cx="2181225" cy="1972945"/>
+              </a:xfrm>
+              <a:prstGeom prst="rect">
+                <a:avLst/>
+              </a:prstGeom>
+            </p:spPr>
+          </p:pic>
+        </p:grpSp>
+        <p:sp>
+          <p:nvSpPr>
+            <p:cNvPr id="18" name="TextBox 17"/>
+            <p:cNvSpPr txBox="1"/>
+            <p:nvPr/>
+          </p:nvSpPr>
+          <p:spPr>
+            <a:xfrm>
+              <a:off x="9446652" y="5875935"/>
+              <a:ext cx="715260" cy="369332"/>
+            </a:xfrm>
+            <a:prstGeom prst="rect">
+              <a:avLst/>
+            </a:prstGeom>
+            <a:noFill/>
+          </p:spPr>
+          <p:txBody>
+            <a:bodyPr wrap="none" rtlCol="0">
+              <a:spAutoFit/>
+            </a:bodyPr>
+            <a:lstStyle/>
+            <a:p>
+              <a:r>
+                <a:rPr lang="en-US" dirty="0" smtClean="0"/>
+                <a:t>Chain</a:t>
+              </a:r>
+              <a:endParaRPr lang="en-US" dirty="0"/>
+            </a:p>
+          </p:txBody>
+        </p:sp>
+      </p:grpSp>
+      <p:grpSp>
+        <p:nvGrpSpPr>
+          <p:cNvPr id="21" name="Group 20"/>
+          <p:cNvGrpSpPr/>
+          <p:nvPr/>
+        </p:nvGrpSpPr>
+        <p:grpSpPr>
+          <a:xfrm>
+            <a:off x="1469922" y="4668213"/>
+            <a:ext cx="4145590" cy="1933575"/>
+            <a:chOff x="689671" y="4645687"/>
+            <a:chExt cx="4145590" cy="1933575"/>
+          </a:xfrm>
+        </p:grpSpPr>
+        <p:grpSp>
+          <p:nvGrpSpPr>
+            <p:cNvPr id="13" name="Group 12"/>
+            <p:cNvGrpSpPr/>
+            <p:nvPr/>
+          </p:nvGrpSpPr>
+          <p:grpSpPr>
+            <a:xfrm>
+              <a:off x="689671" y="4645687"/>
+              <a:ext cx="4145590" cy="1933575"/>
+              <a:chOff x="1679954" y="4471316"/>
+              <a:chExt cx="4145590" cy="1933575"/>
+            </a:xfrm>
+          </p:grpSpPr>
+          <p:pic>
+            <p:nvPicPr>
+              <p:cNvPr id="8" name="Picture 7"/>
+              <p:cNvPicPr/>
+              <p:nvPr/>
+            </p:nvPicPr>
+            <p:blipFill>
+              <a:blip r:embed="rId8" cstate="print">
+                <a:extLst>
+                  <a:ext uri="{28A0092B-C50C-407E-A947-70E740481C1C}">
+                    <a14:useLocalDpi xmlns:a14="http://schemas.microsoft.com/office/drawing/2010/main" val="0"/>
+                  </a:ext>
+                </a:extLst>
+              </a:blip>
+              <a:stretch>
+                <a:fillRect/>
+              </a:stretch>
+            </p:blipFill>
+            <p:spPr>
+              <a:xfrm>
+                <a:off x="1679954" y="4559582"/>
+                <a:ext cx="1800225" cy="1757045"/>
+              </a:xfrm>
+              <a:prstGeom prst="rect">
+                <a:avLst/>
+              </a:prstGeom>
+            </p:spPr>
+          </p:pic>
+          <p:pic>
+            <p:nvPicPr>
+              <p:cNvPr id="9" name="Picture 8"/>
+              <p:cNvPicPr/>
+              <p:nvPr/>
+            </p:nvPicPr>
+            <p:blipFill>
+              <a:blip r:embed="rId9" cstate="print">
+                <a:extLst>
+                  <a:ext uri="{28A0092B-C50C-407E-A947-70E740481C1C}">
+                    <a14:useLocalDpi xmlns:a14="http://schemas.microsoft.com/office/drawing/2010/main" val="0"/>
+                  </a:ext>
+                </a:extLst>
+              </a:blip>
+              <a:stretch>
+                <a:fillRect/>
+              </a:stretch>
+            </p:blipFill>
+            <p:spPr>
+              <a:xfrm>
+                <a:off x="3844979" y="4471316"/>
+                <a:ext cx="1980565" cy="1933575"/>
+              </a:xfrm>
+              <a:prstGeom prst="rect">
+                <a:avLst/>
+              </a:prstGeom>
+            </p:spPr>
+          </p:pic>
+        </p:grpSp>
+        <p:sp>
+          <p:nvSpPr>
+            <p:cNvPr id="19" name="TextBox 18"/>
+            <p:cNvSpPr txBox="1"/>
+            <p:nvPr/>
+          </p:nvSpPr>
+          <p:spPr>
+            <a:xfrm>
+              <a:off x="2360224" y="6121665"/>
+              <a:ext cx="555345" cy="369332"/>
+            </a:xfrm>
+            <a:prstGeom prst="rect">
+              <a:avLst/>
+            </a:prstGeom>
+            <a:noFill/>
+          </p:spPr>
+          <p:txBody>
+            <a:bodyPr wrap="none" rtlCol="0">
+              <a:spAutoFit/>
+            </a:bodyPr>
+            <a:lstStyle/>
+            <a:p>
+              <a:r>
+                <a:rPr lang="en-US" dirty="0" smtClean="0"/>
+                <a:t>Star</a:t>
+              </a:r>
+              <a:endParaRPr lang="en-US" dirty="0"/>
+            </a:p>
+          </p:txBody>
+        </p:sp>
+      </p:grpSp>
     </p:spTree>
     <p:extLst>
       <p:ext uri="{BB962C8B-B14F-4D97-AF65-F5344CB8AC3E}">
-        <p14:creationId xmlns:p14="http://schemas.microsoft.com/office/powerpoint/2010/main" val="2104839995"/>
+        <p14:creationId xmlns:p14="http://schemas.microsoft.com/office/powerpoint/2010/main" val="2727212603"/>
       </p:ext>
     </p:extLst>
   </p:cSld>
   <p:clrMapOvr>
     <a:masterClrMapping/>
   </p:clrMapOvr>
-  <mc:AlternateContent xmlns:mc="http://schemas.openxmlformats.org/markup-compatibility/2006">
-    <mc:Choice xmlns:p14="http://schemas.microsoft.com/office/powerpoint/2010/main" Requires="p14">
+  <mc:AlternateContent xmlns:mc="http://schemas.openxmlformats.org/markup-compatibility/2006" xmlns:p14="http://schemas.microsoft.com/office/powerpoint/2010/main">
+    <mc:Choice Requires="p14">
       <p:transition spd="med" p14:dur="700">
         <p:fade/>
       </p:transition>
     </mc:Choice>
-    <mc:Fallback>
+    <mc:Fallback xmlns="">
       <p:transition spd="med">
         <p:fade/>
       </p:transition>
@@ -11103,7 +11952,7 @@
           <a:p>
             <a:r>
               <a:rPr lang="en-US" dirty="0" err="1" smtClean="0"/>
-              <a:t>Pengujian</a:t>
+              <a:t>Perancangan</a:t>
             </a:r>
             <a:r>
               <a:rPr lang="en-US" dirty="0" smtClean="0"/>
@@ -11111,27 +11960,7 @@
             </a:r>
             <a:r>
               <a:rPr lang="en-US" dirty="0" err="1" smtClean="0"/>
-              <a:t>dan</a:t>
-            </a:r>
-            <a:r>
-              <a:rPr lang="en-US" dirty="0" smtClean="0"/>
-              <a:t> </a:t>
-            </a:r>
-            <a:r>
-              <a:rPr lang="en-US" dirty="0" err="1" smtClean="0"/>
-              <a:t>Analisis</a:t>
-            </a:r>
-            <a:r>
-              <a:rPr lang="en-US" dirty="0" smtClean="0"/>
-              <a:t> </a:t>
-            </a:r>
-            <a:r>
-              <a:rPr lang="en-US" dirty="0" err="1" smtClean="0"/>
-              <a:t>Skenario</a:t>
-            </a:r>
-            <a:r>
-              <a:rPr lang="en-US" dirty="0" smtClean="0"/>
-              <a:t> 1</a:t>
+              <a:t>Sistem</a:t>
             </a:r>
             <a:endParaRPr lang="en-US" dirty="0"/>
           </a:p>
@@ -11139,16 +11968,16 @@
       </p:sp>
       <p:pic>
         <p:nvPicPr>
-          <p:cNvPr id="6" name="Content Placeholder 5"/>
+          <p:cNvPr id="4" name="Content Placeholder 3"/>
           <p:cNvPicPr>
-            <a:picLocks noGrp="1"/>
+            <a:picLocks noGrp="1" noChangeAspect="1"/>
           </p:cNvPicPr>
           <p:nvPr>
             <p:ph idx="1"/>
           </p:nvPr>
         </p:nvPicPr>
         <p:blipFill>
-          <a:blip r:embed="rId2">
+          <a:blip r:embed="rId2" cstate="print">
             <a:extLst>
               <a:ext uri="{28A0092B-C50C-407E-A947-70E740481C1C}">
                 <a14:useLocalDpi xmlns:a14="http://schemas.microsoft.com/office/drawing/2010/main" val="0"/>
@@ -11161,127 +11990,28 @@
         </p:blipFill>
         <p:spPr>
           <a:xfrm>
-            <a:off x="838204" y="1690692"/>
-            <a:ext cx="4751228" cy="2984339"/>
+            <a:off x="3069518" y="1862431"/>
+            <a:ext cx="6052969" cy="4576636"/>
           </a:xfrm>
-          <a:prstGeom prst="rect">
-            <a:avLst/>
-          </a:prstGeom>
         </p:spPr>
       </p:pic>
-      <p:pic>
-        <p:nvPicPr>
-          <p:cNvPr id="7" name="Picture 6"/>
-          <p:cNvPicPr/>
-          <p:nvPr/>
-        </p:nvPicPr>
-        <p:blipFill>
-          <a:blip r:embed="rId3">
-            <a:extLst>
-              <a:ext uri="{28A0092B-C50C-407E-A947-70E740481C1C}">
-                <a14:useLocalDpi xmlns:a14="http://schemas.microsoft.com/office/drawing/2010/main" val="0"/>
-              </a:ext>
-            </a:extLst>
-          </a:blip>
-          <a:stretch>
-            <a:fillRect/>
-          </a:stretch>
-        </p:blipFill>
-        <p:spPr>
-          <a:xfrm>
-            <a:off x="6941712" y="1690692"/>
-            <a:ext cx="4829577" cy="2984339"/>
-          </a:xfrm>
-          <a:prstGeom prst="rect">
-            <a:avLst/>
-          </a:prstGeom>
-        </p:spPr>
-      </p:pic>
-      <p:pic>
-        <p:nvPicPr>
-          <p:cNvPr id="8" name="Picture 7"/>
-          <p:cNvPicPr/>
-          <p:nvPr/>
-        </p:nvPicPr>
-        <p:blipFill>
-          <a:blip r:embed="rId4">
-            <a:extLst>
-              <a:ext uri="{28A0092B-C50C-407E-A947-70E740481C1C}">
-                <a14:useLocalDpi xmlns:a14="http://schemas.microsoft.com/office/drawing/2010/main" val="0"/>
-              </a:ext>
-            </a:extLst>
-          </a:blip>
-          <a:stretch>
-            <a:fillRect/>
-          </a:stretch>
-        </p:blipFill>
-        <p:spPr>
-          <a:xfrm>
-            <a:off x="3745609" y="4675031"/>
-            <a:ext cx="4700788" cy="1996225"/>
-          </a:xfrm>
-          <a:prstGeom prst="rect">
-            <a:avLst/>
-          </a:prstGeom>
-        </p:spPr>
-      </p:pic>
-      <p:sp>
-        <p:nvSpPr>
-          <p:cNvPr id="9" name="Right Arrow 8"/>
-          <p:cNvSpPr/>
-          <p:nvPr/>
-        </p:nvSpPr>
-        <p:spPr>
-          <a:xfrm>
-            <a:off x="5834130" y="3155324"/>
-            <a:ext cx="746974" cy="618186"/>
-          </a:xfrm>
-          <a:prstGeom prst="rightArrow">
-            <a:avLst/>
-          </a:prstGeom>
-        </p:spPr>
-        <p:style>
-          <a:lnRef idx="2">
-            <a:schemeClr val="accent1">
-              <a:shade val="50000"/>
-            </a:schemeClr>
-          </a:lnRef>
-          <a:fillRef idx="1">
-            <a:schemeClr val="accent1"/>
-          </a:fillRef>
-          <a:effectRef idx="0">
-            <a:schemeClr val="accent1"/>
-          </a:effectRef>
-          <a:fontRef idx="minor">
-            <a:schemeClr val="lt1"/>
-          </a:fontRef>
-        </p:style>
-        <p:txBody>
-          <a:bodyPr rtlCol="0" anchor="ctr"/>
-          <a:lstStyle/>
-          <a:p>
-            <a:pPr algn="ctr"/>
-            <a:endParaRPr lang="en-US"/>
-          </a:p>
-        </p:txBody>
-      </p:sp>
     </p:spTree>
     <p:extLst>
       <p:ext uri="{BB962C8B-B14F-4D97-AF65-F5344CB8AC3E}">
-        <p14:creationId xmlns:p14="http://schemas.microsoft.com/office/powerpoint/2010/main" val="1057793220"/>
+        <p14:creationId xmlns:p14="http://schemas.microsoft.com/office/powerpoint/2010/main" val="2026216211"/>
       </p:ext>
     </p:extLst>
   </p:cSld>
   <p:clrMapOvr>
     <a:masterClrMapping/>
   </p:clrMapOvr>
-  <mc:AlternateContent xmlns:mc="http://schemas.openxmlformats.org/markup-compatibility/2006">
-    <mc:Choice xmlns:p14="http://schemas.microsoft.com/office/powerpoint/2010/main" Requires="p14">
+  <mc:AlternateContent xmlns:mc="http://schemas.openxmlformats.org/markup-compatibility/2006" xmlns:p14="http://schemas.microsoft.com/office/powerpoint/2010/main">
+    <mc:Choice Requires="p14">
       <p:transition spd="med" p14:dur="700">
         <p:fade/>
       </p:transition>
     </mc:Choice>
-    <mc:Fallback>
+    <mc:Fallback xmlns="">
       <p:transition spd="med">
         <p:fade/>
       </p:transition>
@@ -11331,173 +12061,207 @@
           <a:p>
             <a:r>
               <a:rPr lang="en-US" dirty="0" err="1" smtClean="0"/>
+              <a:t>Skenario</a:t>
+            </a:r>
+            <a:r>
+              <a:rPr lang="en-US" dirty="0" smtClean="0"/>
+              <a:t> </a:t>
+            </a:r>
+            <a:r>
+              <a:rPr lang="en-US" dirty="0" err="1" smtClean="0"/>
               <a:t>Pengujian</a:t>
-            </a:r>
-            <a:r>
-              <a:rPr lang="en-US" dirty="0" smtClean="0"/>
-              <a:t> </a:t>
-            </a:r>
-            <a:r>
-              <a:rPr lang="en-US" dirty="0" err="1" smtClean="0"/>
-              <a:t>dan</a:t>
-            </a:r>
-            <a:r>
-              <a:rPr lang="en-US" dirty="0" smtClean="0"/>
-              <a:t> </a:t>
-            </a:r>
-            <a:r>
-              <a:rPr lang="en-US" dirty="0" err="1" smtClean="0"/>
-              <a:t>Analisis</a:t>
             </a:r>
             <a:endParaRPr lang="en-US" dirty="0"/>
           </a:p>
         </p:txBody>
       </p:sp>
-      <p:pic>
-        <p:nvPicPr>
-          <p:cNvPr id="4" name="Content Placeholder 3"/>
-          <p:cNvPicPr>
-            <a:picLocks noGrp="1"/>
-          </p:cNvPicPr>
+      <p:sp>
+        <p:nvSpPr>
+          <p:cNvPr id="3" name="Content Placeholder 2"/>
+          <p:cNvSpPr>
+            <a:spLocks noGrp="1"/>
+          </p:cNvSpPr>
           <p:nvPr>
             <p:ph idx="1"/>
           </p:nvPr>
-        </p:nvPicPr>
-        <p:blipFill>
-          <a:blip r:embed="rId2">
-            <a:extLst>
-              <a:ext uri="{28A0092B-C50C-407E-A947-70E740481C1C}">
-                <a14:useLocalDpi xmlns:a14="http://schemas.microsoft.com/office/drawing/2010/main" val="0"/>
-              </a:ext>
-            </a:extLst>
-          </a:blip>
-          <a:stretch>
-            <a:fillRect/>
-          </a:stretch>
-        </p:blipFill>
-        <p:spPr>
-          <a:xfrm>
-            <a:off x="838203" y="1690692"/>
-            <a:ext cx="4403498" cy="2726762"/>
-          </a:xfrm>
-          <a:prstGeom prst="rect">
-            <a:avLst/>
-          </a:prstGeom>
-        </p:spPr>
-      </p:pic>
-      <p:pic>
-        <p:nvPicPr>
-          <p:cNvPr id="5" name="Picture 4"/>
-          <p:cNvPicPr/>
-          <p:nvPr/>
-        </p:nvPicPr>
-        <p:blipFill>
-          <a:blip r:embed="rId3">
-            <a:extLst>
-              <a:ext uri="{28A0092B-C50C-407E-A947-70E740481C1C}">
-                <a14:useLocalDpi xmlns:a14="http://schemas.microsoft.com/office/drawing/2010/main" val="0"/>
-              </a:ext>
-            </a:extLst>
-          </a:blip>
-          <a:stretch>
-            <a:fillRect/>
-          </a:stretch>
-        </p:blipFill>
-        <p:spPr>
-          <a:xfrm>
-            <a:off x="7449020" y="1677812"/>
-            <a:ext cx="3768477" cy="2984340"/>
-          </a:xfrm>
-          <a:prstGeom prst="rect">
-            <a:avLst/>
-          </a:prstGeom>
-        </p:spPr>
-      </p:pic>
-      <p:pic>
-        <p:nvPicPr>
-          <p:cNvPr id="6" name="Picture 5"/>
-          <p:cNvPicPr/>
-          <p:nvPr/>
-        </p:nvPicPr>
-        <p:blipFill>
-          <a:blip r:embed="rId4">
-            <a:extLst>
-              <a:ext uri="{28A0092B-C50C-407E-A947-70E740481C1C}">
-                <a14:useLocalDpi xmlns:a14="http://schemas.microsoft.com/office/drawing/2010/main" val="0"/>
-              </a:ext>
-            </a:extLst>
-          </a:blip>
-          <a:stretch>
-            <a:fillRect/>
-          </a:stretch>
-        </p:blipFill>
-        <p:spPr>
-          <a:xfrm>
-            <a:off x="3642846" y="4675031"/>
-            <a:ext cx="4906313" cy="1918952"/>
-          </a:xfrm>
-          <a:prstGeom prst="rect">
-            <a:avLst/>
-          </a:prstGeom>
-        </p:spPr>
-      </p:pic>
-      <p:sp>
-        <p:nvSpPr>
-          <p:cNvPr id="7" name="Right Arrow 6"/>
-          <p:cNvSpPr/>
-          <p:nvPr/>
         </p:nvSpPr>
-        <p:spPr>
-          <a:xfrm>
-            <a:off x="5984752" y="2886647"/>
-            <a:ext cx="721217" cy="631065"/>
-          </a:xfrm>
-          <a:prstGeom prst="rightArrow">
-            <a:avLst/>
-          </a:prstGeom>
-        </p:spPr>
-        <p:style>
-          <a:lnRef idx="2">
-            <a:schemeClr val="accent1">
-              <a:shade val="50000"/>
-            </a:schemeClr>
-          </a:lnRef>
-          <a:fillRef idx="1">
-            <a:schemeClr val="accent1"/>
-          </a:fillRef>
-          <a:effectRef idx="0">
-            <a:schemeClr val="accent1"/>
-          </a:effectRef>
-          <a:fontRef idx="minor">
-            <a:schemeClr val="lt1"/>
-          </a:fontRef>
-        </p:style>
+        <p:spPr/>
         <p:txBody>
-          <a:bodyPr rtlCol="0" anchor="ctr"/>
+          <a:bodyPr/>
           <a:lstStyle/>
           <a:p>
-            <a:pPr algn="ctr"/>
-            <a:endParaRPr lang="en-US"/>
+            <a:endParaRPr lang="en-US" dirty="0" smtClean="0"/>
+          </a:p>
+          <a:p>
+            <a:endParaRPr lang="en-US" dirty="0"/>
+          </a:p>
+          <a:p>
+            <a:pPr marL="514350" indent="-514350">
+              <a:buFont typeface="+mj-lt"/>
+              <a:buAutoNum type="arabicPeriod"/>
+            </a:pPr>
+            <a:r>
+              <a:rPr lang="en-US" dirty="0" err="1" smtClean="0"/>
+              <a:t>Skenario</a:t>
+            </a:r>
+            <a:r>
+              <a:rPr lang="en-US" dirty="0" smtClean="0"/>
+              <a:t> </a:t>
+            </a:r>
+            <a:r>
+              <a:rPr lang="en-US" dirty="0" err="1" smtClean="0"/>
+              <a:t>pengujian</a:t>
+            </a:r>
+            <a:r>
+              <a:rPr lang="en-US" dirty="0" smtClean="0"/>
+              <a:t> </a:t>
+            </a:r>
+            <a:r>
+              <a:rPr lang="en-US" dirty="0" err="1" smtClean="0"/>
+              <a:t>algoritma</a:t>
+            </a:r>
+            <a:r>
+              <a:rPr lang="en-US" dirty="0" smtClean="0"/>
+              <a:t> Graph Decomposition (</a:t>
+            </a:r>
+            <a:r>
+              <a:rPr lang="en-US" dirty="0" err="1" smtClean="0"/>
+              <a:t>Slashburn</a:t>
+            </a:r>
+            <a:r>
+              <a:rPr lang="en-US" dirty="0" smtClean="0"/>
+              <a:t>)</a:t>
+            </a:r>
+          </a:p>
+          <a:p>
+            <a:pPr marL="514350" indent="-514350">
+              <a:buFont typeface="+mj-lt"/>
+              <a:buAutoNum type="arabicPeriod"/>
+            </a:pPr>
+            <a:r>
+              <a:rPr lang="en-US" dirty="0" err="1" smtClean="0"/>
+              <a:t>Skenario</a:t>
+            </a:r>
+            <a:r>
+              <a:rPr lang="en-US" dirty="0" smtClean="0"/>
+              <a:t> </a:t>
+            </a:r>
+            <a:r>
+              <a:rPr lang="en-US" dirty="0" err="1" smtClean="0"/>
+              <a:t>pengujian</a:t>
+            </a:r>
+            <a:r>
+              <a:rPr lang="en-US" dirty="0" smtClean="0"/>
+              <a:t> </a:t>
+            </a:r>
+            <a:r>
+              <a:rPr lang="en-US" dirty="0" err="1" smtClean="0"/>
+              <a:t>pengaruh</a:t>
+            </a:r>
+            <a:r>
+              <a:rPr lang="en-US" dirty="0" smtClean="0"/>
+              <a:t> </a:t>
+            </a:r>
+            <a:r>
+              <a:rPr lang="en-US" i="1" dirty="0" smtClean="0"/>
+              <a:t>k </a:t>
+            </a:r>
+            <a:r>
+              <a:rPr lang="en-US" dirty="0" err="1" smtClean="0"/>
+              <a:t>terhadap</a:t>
+            </a:r>
+            <a:r>
+              <a:rPr lang="en-US" dirty="0" smtClean="0"/>
+              <a:t> subgraph yang </a:t>
+            </a:r>
+            <a:r>
+              <a:rPr lang="en-US" dirty="0" err="1" smtClean="0"/>
+              <a:t>dihasilkan</a:t>
+            </a:r>
+            <a:endParaRPr lang="en-US" dirty="0" smtClean="0"/>
+          </a:p>
+          <a:p>
+            <a:pPr marL="514350" indent="-514350">
+              <a:buFont typeface="+mj-lt"/>
+              <a:buAutoNum type="arabicPeriod"/>
+            </a:pPr>
+            <a:r>
+              <a:rPr lang="en-US" dirty="0" err="1" smtClean="0"/>
+              <a:t>Skenario</a:t>
+            </a:r>
+            <a:r>
+              <a:rPr lang="en-US" dirty="0" smtClean="0"/>
+              <a:t> </a:t>
+            </a:r>
+            <a:r>
+              <a:rPr lang="en-US" dirty="0" err="1" smtClean="0"/>
+              <a:t>pengujian</a:t>
+            </a:r>
+            <a:r>
+              <a:rPr lang="en-US" dirty="0" smtClean="0"/>
+              <a:t> </a:t>
+            </a:r>
+            <a:r>
+              <a:rPr lang="en-US" dirty="0" err="1" smtClean="0"/>
+              <a:t>pengaruh</a:t>
+            </a:r>
+            <a:r>
+              <a:rPr lang="en-US" dirty="0" smtClean="0"/>
+              <a:t> </a:t>
+            </a:r>
+            <a:r>
+              <a:rPr lang="en-US" i="1" dirty="0" smtClean="0"/>
+              <a:t>k </a:t>
+            </a:r>
+            <a:r>
+              <a:rPr lang="en-US" dirty="0" err="1" smtClean="0"/>
+              <a:t>terhadap</a:t>
+            </a:r>
+            <a:r>
+              <a:rPr lang="en-US" dirty="0" smtClean="0"/>
+              <a:t> </a:t>
+            </a:r>
+            <a:r>
+              <a:rPr lang="en-US" dirty="0" err="1" smtClean="0"/>
+              <a:t>waktu</a:t>
+            </a:r>
+            <a:r>
+              <a:rPr lang="en-US" dirty="0" smtClean="0"/>
+              <a:t> </a:t>
+            </a:r>
+            <a:r>
+              <a:rPr lang="en-US" dirty="0" err="1" smtClean="0"/>
+              <a:t>eksekusi</a:t>
+            </a:r>
+            <a:r>
+              <a:rPr lang="en-US" dirty="0" smtClean="0"/>
+              <a:t> </a:t>
+            </a:r>
+            <a:r>
+              <a:rPr lang="en-US" dirty="0" err="1" smtClean="0"/>
+              <a:t>VoG</a:t>
+            </a:r>
+            <a:endParaRPr lang="en-US" i="1" dirty="0"/>
           </a:p>
         </p:txBody>
       </p:sp>
     </p:spTree>
     <p:extLst>
       <p:ext uri="{BB962C8B-B14F-4D97-AF65-F5344CB8AC3E}">
-        <p14:creationId xmlns:p14="http://schemas.microsoft.com/office/powerpoint/2010/main" val="650289574"/>
+        <p14:creationId xmlns:p14="http://schemas.microsoft.com/office/powerpoint/2010/main" val="2104839995"/>
       </p:ext>
     </p:extLst>
   </p:cSld>
   <p:clrMapOvr>
     <a:masterClrMapping/>
   </p:clrMapOvr>
-  <mc:AlternateContent xmlns:mc="http://schemas.openxmlformats.org/markup-compatibility/2006">
-    <mc:Choice xmlns:p14="http://schemas.microsoft.com/office/powerpoint/2010/main" Requires="p14">
+  <mc:AlternateContent xmlns:mc="http://schemas.openxmlformats.org/markup-compatibility/2006" xmlns:p14="http://schemas.microsoft.com/office/powerpoint/2010/main">
+    <mc:Choice Requires="p14">
       <p:transition spd="med" p14:dur="700">
         <p:fade/>
       </p:transition>
     </mc:Choice>
-    <mc:Fallback>
+    <mc:Fallback xmlns="">
       <p:transition spd="med">
         <p:fade/>
       </p:transition>
